--- a/Gender-Equality-Awareness-ppt.pptx
+++ b/Gender-Equality-Awareness-ppt.pptx
@@ -1,23 +1,25 @@
 
 <file path=ppt/presentation.xml><?xml version="1.0" encoding="utf-8"?>
-<p:presentation xmlns:a="http://schemas.openxmlformats.org/drawingml/2006/main" xmlns:r="http://schemas.openxmlformats.org/officeDocument/2006/relationships" xmlns:p="http://schemas.openxmlformats.org/presentationml/2006/main" xmlns:m="http://schemas.openxmlformats.org/officeDocument/2006/math" xmlns:a14="http://schemas.microsoft.com/office/drawing/2010/main">
+<p:presentation xmlns:a="http://schemas.openxmlformats.org/drawingml/2006/main" xmlns:r="http://schemas.openxmlformats.org/officeDocument/2006/relationships" xmlns:p="http://schemas.openxmlformats.org/presentationml/2006/main">
   <p:sldMasterIdLst>
-    <p:sldMasterId id="2147483648" r:id="rId5"/>
+    <p:sldMasterId id="2147483648" r:id="rId1"/>
   </p:sldMasterIdLst>
   <p:notesMasterIdLst>
-    <p:notesMasterId r:id="rId7"/>
+    <p:notesMasterId r:id="rId12"/>
   </p:notesMasterIdLst>
   <p:sldIdLst>
-    <p:sldId id="256" r:id="rId8"/>
-    <p:sldId id="257" r:id="rId9"/>
-    <p:sldId id="258" r:id="rId10"/>
-    <p:sldId id="259" r:id="rId11"/>
-    <p:sldId id="260" r:id="rId12"/>
-    <p:sldId id="261" r:id="rId13"/>
-    <p:sldId id="262" r:id="rId14"/>
-    <p:sldId id="263" r:id="rId15"/>
+    <p:sldId id="256" r:id="rId2"/>
+    <p:sldId id="258" r:id="rId3"/>
+    <p:sldId id="265" r:id="rId4"/>
+    <p:sldId id="257" r:id="rId5"/>
+    <p:sldId id="264" r:id="rId6"/>
+    <p:sldId id="259" r:id="rId7"/>
+    <p:sldId id="260" r:id="rId8"/>
+    <p:sldId id="261" r:id="rId9"/>
+    <p:sldId id="262" r:id="rId10"/>
+    <p:sldId id="263" r:id="rId11"/>
   </p:sldIdLst>
-  <p:sldSz cx="9144000" cy="6858000"/>
+  <p:sldSz cx="9144000" cy="6858000" type="screen4x3"/>
   <p:notesSz cx="6858000" cy="9144000"/>
   <p:defaultTextStyle>
     <a:defPPr marL="0" marR="0" indent="0" algn="l" defTabSz="914400" rtl="0" fontAlgn="auto" latinLnBrk="1" hangingPunct="0">
@@ -35,7 +37,7 @@
       <a:buFontTx/>
       <a:buNone/>
       <a:tabLst/>
-      <a:defRPr b="0" baseline="0" cap="none" i="0" spc="0" strike="noStrike" sz="1800" u="none" kumimoji="0" normalizeH="0">
+      <a:defRPr kumimoji="0" sz="1800" b="0" i="0" u="none" strike="noStrike" cap="none" spc="0" normalizeH="0" baseline="0">
         <a:ln>
           <a:noFill/>
         </a:ln>
@@ -61,7 +63,7 @@
       <a:buFontTx/>
       <a:buNone/>
       <a:tabLst/>
-      <a:defRPr b="0" baseline="0" cap="none" i="0" spc="0" strike="noStrike" sz="1800" u="none" kumimoji="0" normalizeH="0">
+      <a:defRPr kumimoji="0" sz="1800" b="0" i="0" u="none" strike="noStrike" cap="none" spc="0" normalizeH="0" baseline="0">
         <a:ln>
           <a:noFill/>
         </a:ln>
@@ -91,7 +93,7 @@
       <a:buFontTx/>
       <a:buNone/>
       <a:tabLst/>
-      <a:defRPr b="0" baseline="0" cap="none" i="0" spc="0" strike="noStrike" sz="1800" u="none" kumimoji="0" normalizeH="0">
+      <a:defRPr kumimoji="0" sz="1800" b="0" i="0" u="none" strike="noStrike" cap="none" spc="0" normalizeH="0" baseline="0">
         <a:ln>
           <a:noFill/>
         </a:ln>
@@ -121,7 +123,7 @@
       <a:buFontTx/>
       <a:buNone/>
       <a:tabLst/>
-      <a:defRPr b="0" baseline="0" cap="none" i="0" spc="0" strike="noStrike" sz="1800" u="none" kumimoji="0" normalizeH="0">
+      <a:defRPr kumimoji="0" sz="1800" b="0" i="0" u="none" strike="noStrike" cap="none" spc="0" normalizeH="0" baseline="0">
         <a:ln>
           <a:noFill/>
         </a:ln>
@@ -151,7 +153,7 @@
       <a:buFontTx/>
       <a:buNone/>
       <a:tabLst/>
-      <a:defRPr b="0" baseline="0" cap="none" i="0" spc="0" strike="noStrike" sz="1800" u="none" kumimoji="0" normalizeH="0">
+      <a:defRPr kumimoji="0" sz="1800" b="0" i="0" u="none" strike="noStrike" cap="none" spc="0" normalizeH="0" baseline="0">
         <a:ln>
           <a:noFill/>
         </a:ln>
@@ -181,7 +183,7 @@
       <a:buFontTx/>
       <a:buNone/>
       <a:tabLst/>
-      <a:defRPr b="0" baseline="0" cap="none" i="0" spc="0" strike="noStrike" sz="1800" u="none" kumimoji="0" normalizeH="0">
+      <a:defRPr kumimoji="0" sz="1800" b="0" i="0" u="none" strike="noStrike" cap="none" spc="0" normalizeH="0" baseline="0">
         <a:ln>
           <a:noFill/>
         </a:ln>
@@ -211,7 +213,7 @@
       <a:buFontTx/>
       <a:buNone/>
       <a:tabLst/>
-      <a:defRPr b="0" baseline="0" cap="none" i="0" spc="0" strike="noStrike" sz="1800" u="none" kumimoji="0" normalizeH="0">
+      <a:defRPr kumimoji="0" sz="1800" b="0" i="0" u="none" strike="noStrike" cap="none" spc="0" normalizeH="0" baseline="0">
         <a:ln>
           <a:noFill/>
         </a:ln>
@@ -241,7 +243,7 @@
       <a:buFontTx/>
       <a:buNone/>
       <a:tabLst/>
-      <a:defRPr b="0" baseline="0" cap="none" i="0" spc="0" strike="noStrike" sz="1800" u="none" kumimoji="0" normalizeH="0">
+      <a:defRPr kumimoji="0" sz="1800" b="0" i="0" u="none" strike="noStrike" cap="none" spc="0" normalizeH="0" baseline="0">
         <a:ln>
           <a:noFill/>
         </a:ln>
@@ -271,7 +273,7 @@
       <a:buFontTx/>
       <a:buNone/>
       <a:tabLst/>
-      <a:defRPr b="0" baseline="0" cap="none" i="0" spc="0" strike="noStrike" sz="1800" u="none" kumimoji="0" normalizeH="0">
+      <a:defRPr kumimoji="0" sz="1800" b="0" i="0" u="none" strike="noStrike" cap="none" spc="0" normalizeH="0" baseline="0">
         <a:ln>
           <a:noFill/>
         </a:ln>
@@ -301,7 +303,7 @@
       <a:buFontTx/>
       <a:buNone/>
       <a:tabLst/>
-      <a:defRPr b="0" baseline="0" cap="none" i="0" spc="0" strike="noStrike" sz="1800" u="none" kumimoji="0" normalizeH="0">
+      <a:defRPr kumimoji="0" sz="1800" b="0" i="0" u="none" strike="noStrike" cap="none" spc="0" normalizeH="0" baseline="0">
         <a:ln>
           <a:noFill/>
         </a:ln>
@@ -317,16 +319,22 @@
       </a:defRPr>
     </a:lvl9pPr>
   </p:defaultTextStyle>
+  <p:extLst>
+    <p:ext uri="{EFAFB233-063F-42B5-8137-9DF3F51BA10A}">
+      <p15:sldGuideLst xmlns:p15="http://schemas.microsoft.com/office/powerpoint/2012/main"/>
+    </p:ext>
+  </p:extLst>
 </p:presentation>
 </file>
 
-<file path=ppt/commentAuthors.xml><?xml version="1.0" encoding="utf-8"?>
-<p:cmAuthorLst xmlns:a="http://schemas.openxmlformats.org/drawingml/2006/main" xmlns:r="http://schemas.openxmlformats.org/officeDocument/2006/relationships" xmlns:p="http://schemas.openxmlformats.org/presentationml/2006/main" xmlns:m="http://schemas.openxmlformats.org/officeDocument/2006/math" xmlns:a14="http://schemas.microsoft.com/office/drawing/2010/main"/>
-</file>
-
 <file path=ppt/notesMasters/notesMaster1.xml><?xml version="1.0" encoding="utf-8"?>
-<p:notesMaster xmlns:a="http://schemas.openxmlformats.org/drawingml/2006/main" xmlns:r="http://schemas.openxmlformats.org/officeDocument/2006/relationships" xmlns:p="http://schemas.openxmlformats.org/presentationml/2006/main" xmlns:m="http://schemas.openxmlformats.org/officeDocument/2006/math" xmlns:a14="http://schemas.microsoft.com/office/drawing/2010/main">
+<p:notesMaster xmlns:a="http://schemas.openxmlformats.org/drawingml/2006/main" xmlns:r="http://schemas.openxmlformats.org/officeDocument/2006/relationships" xmlns:p="http://schemas.openxmlformats.org/presentationml/2006/main">
   <p:cSld>
+    <p:bg>
+      <p:bgRef idx="1001">
+        <a:schemeClr val="bg1"/>
+      </p:bgRef>
+    </p:bg>
     <p:spTree>
       <p:nvGrpSpPr>
         <p:cNvPr id="1" name=""/>
@@ -344,7 +352,9 @@
       <p:sp>
         <p:nvSpPr>
           <p:cNvPr id="28" name="Shape 28"/>
-          <p:cNvSpPr/>
+          <p:cNvSpPr>
+            <a:spLocks noGrp="1" noRot="1" noChangeAspect="1"/>
+          </p:cNvSpPr>
           <p:nvPr>
             <p:ph type="sldImg"/>
           </p:nvPr>
@@ -362,14 +372,16 @@
           <a:bodyPr/>
           <a:lstStyle/>
           <a:p>
-            <a:pPr/>
+            <a:endParaRPr/>
           </a:p>
         </p:txBody>
       </p:sp>
       <p:sp>
         <p:nvSpPr>
           <p:cNvPr id="29" name="Shape 29"/>
-          <p:cNvSpPr/>
+          <p:cNvSpPr>
+            <a:spLocks noGrp="1"/>
+          </p:cNvSpPr>
           <p:nvPr>
             <p:ph type="body" sz="quarter" idx="1"/>
           </p:nvPr>
@@ -387,7 +399,7 @@
           <a:bodyPr/>
           <a:lstStyle/>
           <a:p>
-            <a:pPr/>
+            <a:endParaRPr/>
           </a:p>
         </p:txBody>
       </p:sp>
@@ -472,7 +484,7 @@
 </file>
 
 <file path=ppt/slideLayouts/slideLayout1.xml><?xml version="1.0" encoding="utf-8"?>
-<p:sldLayout xmlns:a="http://schemas.openxmlformats.org/drawingml/2006/main" xmlns:r="http://schemas.openxmlformats.org/officeDocument/2006/relationships" xmlns:p="http://schemas.openxmlformats.org/presentationml/2006/main" xmlns:m="http://schemas.openxmlformats.org/officeDocument/2006/math" xmlns:a14="http://schemas.microsoft.com/office/drawing/2010/main" type="title" showMasterSp="1" showMasterPhAnim="1">
+<p:sldLayout xmlns:a="http://schemas.openxmlformats.org/drawingml/2006/main" xmlns:r="http://schemas.openxmlformats.org/officeDocument/2006/relationships" xmlns:p="http://schemas.openxmlformats.org/presentationml/2006/main" type="title">
   <p:cSld name="Title Slide">
     <p:spTree>
       <p:nvGrpSpPr>
@@ -491,7 +503,9 @@
       <p:sp>
         <p:nvSpPr>
           <p:cNvPr id="11" name="Title Text"/>
-          <p:cNvSpPr txBox="1"/>
+          <p:cNvSpPr txBox="1">
+            <a:spLocks noGrp="1"/>
+          </p:cNvSpPr>
           <p:nvPr>
             <p:ph type="title"/>
           </p:nvPr>
@@ -505,7 +519,6 @@
           <a:bodyPr/>
           <a:lstStyle/>
           <a:p>
-            <a:pPr/>
             <a:r>
               <a:t>Title Text</a:t>
             </a:r>
@@ -515,7 +528,9 @@
       <p:sp>
         <p:nvSpPr>
           <p:cNvPr id="12" name="Body Level One…"/>
-          <p:cNvSpPr txBox="1"/>
+          <p:cNvSpPr txBox="1">
+            <a:spLocks noGrp="1"/>
+          </p:cNvSpPr>
           <p:nvPr>
             <p:ph type="body" sz="half" idx="1"/>
           </p:nvPr>
@@ -529,7 +544,6 @@
           <a:bodyPr/>
           <a:lstStyle/>
           <a:p>
-            <a:pPr/>
             <a:r>
               <a:t>Body Level One</a:t>
             </a:r>
@@ -563,7 +577,9 @@
       <p:sp>
         <p:nvSpPr>
           <p:cNvPr id="13" name="Slide Number"/>
-          <p:cNvSpPr txBox="1"/>
+          <p:cNvSpPr txBox="1">
+            <a:spLocks noGrp="1"/>
+          </p:cNvSpPr>
           <p:nvPr>
             <p:ph type="sldNum" sz="quarter" idx="2"/>
           </p:nvPr>
@@ -577,8 +593,10 @@
           <a:bodyPr/>
           <a:lstStyle/>
           <a:p>
-            <a:pPr/>
-            <a:fld id="{86CB4B4D-7CA3-9044-876B-883B54F8677D}" type="slidenum"/>
+            <a:fld id="{86CB4B4D-7CA3-9044-876B-883B54F8677D}" type="slidenum">
+              <a:t>‹#›</a:t>
+            </a:fld>
+            <a:endParaRPr/>
           </a:p>
         </p:txBody>
       </p:sp>
@@ -587,12 +605,12 @@
   <p:clrMapOvr>
     <a:masterClrMapping/>
   </p:clrMapOvr>
-  <p:transition xmlns:p14="http://schemas.microsoft.com/office/powerpoint/2010/main" spd="med" advClick="1"/>
+  <p:transition spd="med"/>
 </p:sldLayout>
 </file>
 
 <file path=ppt/slideLayouts/slideLayout2.xml><?xml version="1.0" encoding="utf-8"?>
-<p:sldLayout xmlns:a="http://schemas.openxmlformats.org/drawingml/2006/main" xmlns:r="http://schemas.openxmlformats.org/officeDocument/2006/relationships" xmlns:p="http://schemas.openxmlformats.org/presentationml/2006/main" xmlns:m="http://schemas.openxmlformats.org/officeDocument/2006/math" xmlns:a14="http://schemas.microsoft.com/office/drawing/2010/main" type="tx" showMasterSp="1" showMasterPhAnim="1">
+<p:sldLayout xmlns:a="http://schemas.openxmlformats.org/drawingml/2006/main" xmlns:r="http://schemas.openxmlformats.org/officeDocument/2006/relationships" xmlns:p="http://schemas.openxmlformats.org/presentationml/2006/main" type="tx">
   <p:cSld name="Title and Content">
     <p:spTree>
       <p:nvGrpSpPr>
@@ -611,7 +629,9 @@
       <p:sp>
         <p:nvSpPr>
           <p:cNvPr id="20" name="Title Text"/>
-          <p:cNvSpPr txBox="1"/>
+          <p:cNvSpPr txBox="1">
+            <a:spLocks noGrp="1"/>
+          </p:cNvSpPr>
           <p:nvPr>
             <p:ph type="title"/>
           </p:nvPr>
@@ -629,7 +649,6 @@
           <a:bodyPr/>
           <a:lstStyle/>
           <a:p>
-            <a:pPr/>
             <a:r>
               <a:t>Title Text</a:t>
             </a:r>
@@ -639,7 +658,9 @@
       <p:sp>
         <p:nvSpPr>
           <p:cNvPr id="21" name="Body Level One…"/>
-          <p:cNvSpPr txBox="1"/>
+          <p:cNvSpPr txBox="1">
+            <a:spLocks noGrp="1"/>
+          </p:cNvSpPr>
           <p:nvPr>
             <p:ph type="body" idx="1"/>
           </p:nvPr>
@@ -708,7 +729,6 @@
             </a:lvl5pPr>
           </a:lstStyle>
           <a:p>
-            <a:pPr/>
             <a:r>
               <a:t>Body Level One</a:t>
             </a:r>
@@ -742,7 +762,9 @@
       <p:sp>
         <p:nvSpPr>
           <p:cNvPr id="22" name="Slide Number"/>
-          <p:cNvSpPr txBox="1"/>
+          <p:cNvSpPr txBox="1">
+            <a:spLocks noGrp="1"/>
+          </p:cNvSpPr>
           <p:nvPr>
             <p:ph type="sldNum" sz="quarter" idx="2"/>
           </p:nvPr>
@@ -756,8 +778,10 @@
           <a:bodyPr/>
           <a:lstStyle/>
           <a:p>
-            <a:pPr/>
-            <a:fld id="{86CB4B4D-7CA3-9044-876B-883B54F8677D}" type="slidenum"/>
+            <a:fld id="{86CB4B4D-7CA3-9044-876B-883B54F8677D}" type="slidenum">
+              <a:t>‹#›</a:t>
+            </a:fld>
+            <a:endParaRPr/>
           </a:p>
         </p:txBody>
       </p:sp>
@@ -766,22 +790,23 @@
   <p:clrMapOvr>
     <a:masterClrMapping/>
   </p:clrMapOvr>
-  <p:transition xmlns:p14="http://schemas.microsoft.com/office/powerpoint/2010/main" spd="med" advClick="1"/>
+  <p:transition spd="med"/>
 </p:sldLayout>
 </file>
 
 <file path=ppt/slideMasters/slideMaster1.xml><?xml version="1.0" encoding="utf-8"?>
-<p:sldMaster xmlns:a="http://schemas.openxmlformats.org/drawingml/2006/main" xmlns:r="http://schemas.openxmlformats.org/officeDocument/2006/relationships" xmlns:p="http://schemas.openxmlformats.org/presentationml/2006/main" xmlns:m="http://schemas.openxmlformats.org/officeDocument/2006/math" xmlns:a14="http://schemas.microsoft.com/office/drawing/2010/main">
+<p:sldMaster xmlns:a="http://schemas.openxmlformats.org/drawingml/2006/main" xmlns:r="http://schemas.openxmlformats.org/officeDocument/2006/relationships" xmlns:p="http://schemas.openxmlformats.org/presentationml/2006/main">
   <p:cSld>
     <p:bg>
       <p:bgPr>
         <a:blipFill rotWithShape="1">
-          <a:blip r:embed="rId2"/>
-          <a:srcRect l="0" t="0" r="0" b="0"/>
+          <a:blip r:embed="rId4"/>
+          <a:srcRect/>
           <a:stretch>
             <a:fillRect/>
           </a:stretch>
         </a:blipFill>
+        <a:effectLst/>
       </p:bgPr>
     </p:bg>
     <p:spTree>
@@ -801,7 +826,9 @@
       <p:sp>
         <p:nvSpPr>
           <p:cNvPr id="2" name="Title Text"/>
-          <p:cNvSpPr txBox="1"/>
+          <p:cNvSpPr txBox="1">
+            <a:spLocks noGrp="1"/>
+          </p:cNvSpPr>
           <p:nvPr>
             <p:ph type="title"/>
           </p:nvPr>
@@ -819,17 +846,16 @@
           </a:ln>
           <a:extLst>
             <a:ext uri="{C572A759-6A51-4108-AA02-DFA0A04FC94B}">
-              <ma14:wrappingTextBoxFlag xmlns:ma14="http://schemas.microsoft.com/office/mac/drawingml/2011/main" val="1"/>
+              <ma14:wrappingTextBoxFlag xmlns="" xmlns:m="http://schemas.openxmlformats.org/officeDocument/2006/math" xmlns:a14="http://schemas.microsoft.com/office/drawing/2010/main" xmlns:ma14="http://schemas.microsoft.com/office/mac/drawingml/2011/main" val="1"/>
             </a:ext>
           </a:extLst>
         </p:spPr>
         <p:txBody>
           <a:bodyPr lIns="45719" rIns="45719" anchor="ctr">
-            <a:normAutofit fontScale="100000" lnSpcReduction="0"/>
+            <a:normAutofit/>
           </a:bodyPr>
           <a:lstStyle/>
           <a:p>
-            <a:pPr/>
             <a:r>
               <a:t>Title Text</a:t>
             </a:r>
@@ -839,7 +865,9 @@
       <p:sp>
         <p:nvSpPr>
           <p:cNvPr id="3" name="Body Level One…"/>
-          <p:cNvSpPr txBox="1"/>
+          <p:cNvSpPr txBox="1">
+            <a:spLocks noGrp="1"/>
+          </p:cNvSpPr>
           <p:nvPr>
             <p:ph type="body" idx="1"/>
           </p:nvPr>
@@ -857,17 +885,16 @@
           </a:ln>
           <a:extLst>
             <a:ext uri="{C572A759-6A51-4108-AA02-DFA0A04FC94B}">
-              <ma14:wrappingTextBoxFlag xmlns:ma14="http://schemas.microsoft.com/office/mac/drawingml/2011/main" val="1"/>
+              <ma14:wrappingTextBoxFlag xmlns="" xmlns:m="http://schemas.openxmlformats.org/officeDocument/2006/math" xmlns:a14="http://schemas.microsoft.com/office/drawing/2010/main" xmlns:ma14="http://schemas.microsoft.com/office/mac/drawingml/2011/main" val="1"/>
             </a:ext>
           </a:extLst>
         </p:spPr>
         <p:txBody>
           <a:bodyPr lIns="45719" rIns="45719">
-            <a:normAutofit fontScale="100000" lnSpcReduction="0"/>
+            <a:normAutofit/>
           </a:bodyPr>
           <a:lstStyle/>
           <a:p>
-            <a:pPr/>
             <a:r>
               <a:t>Body Level One</a:t>
             </a:r>
@@ -901,7 +928,9 @@
       <p:sp>
         <p:nvSpPr>
           <p:cNvPr id="4" name="Slide Number"/>
-          <p:cNvSpPr txBox="1"/>
+          <p:cNvSpPr txBox="1">
+            <a:spLocks noGrp="1"/>
+          </p:cNvSpPr>
           <p:nvPr>
             <p:ph type="sldNum" sz="quarter" idx="2"/>
           </p:nvPr>
@@ -932,8 +961,10 @@
             </a:lvl1pPr>
           </a:lstStyle>
           <a:p>
-            <a:pPr/>
-            <a:fld id="{86CB4B4D-7CA3-9044-876B-883B54F8677D}" type="slidenum"/>
+            <a:fld id="{86CB4B4D-7CA3-9044-876B-883B54F8677D}" type="slidenum">
+              <a:t>‹#›</a:t>
+            </a:fld>
+            <a:endParaRPr/>
           </a:p>
         </p:txBody>
       </p:sp>
@@ -941,10 +972,10 @@
   </p:cSld>
   <p:clrMap bg1="lt1" tx1="dk1" bg2="lt2" tx2="dk2" accent1="accent1" accent2="accent2" accent3="accent3" accent4="accent4" accent5="accent5" accent6="accent6" hlink="hlink" folHlink="folHlink"/>
   <p:sldLayoutIdLst>
-    <p:sldLayoutId id="2147483649" r:id="rId3"/>
-    <p:sldLayoutId id="2147483650" r:id="rId4"/>
+    <p:sldLayoutId id="2147483649" r:id="rId1"/>
+    <p:sldLayoutId id="2147483650" r:id="rId2"/>
   </p:sldLayoutIdLst>
-  <p:transition xmlns:p14="http://schemas.microsoft.com/office/powerpoint/2010/main" spd="med" advClick="1"/>
+  <p:transition spd="med"/>
   <p:txStyles>
     <p:titleStyle>
       <a:lvl1pPr marL="0" marR="0" indent="0" algn="ctr" defTabSz="914400" rtl="0" latinLnBrk="0">
@@ -962,7 +993,7 @@
         <a:buFontTx/>
         <a:buNone/>
         <a:tabLst/>
-        <a:defRPr b="1" baseline="0" cap="none" i="0" spc="0" strike="noStrike" sz="4400" u="none">
+        <a:defRPr sz="4400" b="1" i="0" u="none" strike="noStrike" cap="none" spc="0" baseline="0">
           <a:solidFill>
             <a:srgbClr val="000000"/>
           </a:solidFill>
@@ -988,7 +1019,7 @@
         <a:buFontTx/>
         <a:buNone/>
         <a:tabLst/>
-        <a:defRPr b="1" baseline="0" cap="none" i="0" spc="0" strike="noStrike" sz="4400" u="none">
+        <a:defRPr sz="4400" b="1" i="0" u="none" strike="noStrike" cap="none" spc="0" baseline="0">
           <a:solidFill>
             <a:srgbClr val="000000"/>
           </a:solidFill>
@@ -1014,7 +1045,7 @@
         <a:buFontTx/>
         <a:buNone/>
         <a:tabLst/>
-        <a:defRPr b="1" baseline="0" cap="none" i="0" spc="0" strike="noStrike" sz="4400" u="none">
+        <a:defRPr sz="4400" b="1" i="0" u="none" strike="noStrike" cap="none" spc="0" baseline="0">
           <a:solidFill>
             <a:srgbClr val="000000"/>
           </a:solidFill>
@@ -1040,7 +1071,7 @@
         <a:buFontTx/>
         <a:buNone/>
         <a:tabLst/>
-        <a:defRPr b="1" baseline="0" cap="none" i="0" spc="0" strike="noStrike" sz="4400" u="none">
+        <a:defRPr sz="4400" b="1" i="0" u="none" strike="noStrike" cap="none" spc="0" baseline="0">
           <a:solidFill>
             <a:srgbClr val="000000"/>
           </a:solidFill>
@@ -1066,7 +1097,7 @@
         <a:buFontTx/>
         <a:buNone/>
         <a:tabLst/>
-        <a:defRPr b="1" baseline="0" cap="none" i="0" spc="0" strike="noStrike" sz="4400" u="none">
+        <a:defRPr sz="4400" b="1" i="0" u="none" strike="noStrike" cap="none" spc="0" baseline="0">
           <a:solidFill>
             <a:srgbClr val="000000"/>
           </a:solidFill>
@@ -1092,7 +1123,7 @@
         <a:buFontTx/>
         <a:buNone/>
         <a:tabLst/>
-        <a:defRPr b="1" baseline="0" cap="none" i="0" spc="0" strike="noStrike" sz="4400" u="none">
+        <a:defRPr sz="4400" b="1" i="0" u="none" strike="noStrike" cap="none" spc="0" baseline="0">
           <a:solidFill>
             <a:srgbClr val="000000"/>
           </a:solidFill>
@@ -1118,7 +1149,7 @@
         <a:buFontTx/>
         <a:buNone/>
         <a:tabLst/>
-        <a:defRPr b="1" baseline="0" cap="none" i="0" spc="0" strike="noStrike" sz="4400" u="none">
+        <a:defRPr sz="4400" b="1" i="0" u="none" strike="noStrike" cap="none" spc="0" baseline="0">
           <a:solidFill>
             <a:srgbClr val="000000"/>
           </a:solidFill>
@@ -1144,7 +1175,7 @@
         <a:buFontTx/>
         <a:buNone/>
         <a:tabLst/>
-        <a:defRPr b="1" baseline="0" cap="none" i="0" spc="0" strike="noStrike" sz="4400" u="none">
+        <a:defRPr sz="4400" b="1" i="0" u="none" strike="noStrike" cap="none" spc="0" baseline="0">
           <a:solidFill>
             <a:srgbClr val="000000"/>
           </a:solidFill>
@@ -1170,7 +1201,7 @@
         <a:buFontTx/>
         <a:buNone/>
         <a:tabLst/>
-        <a:defRPr b="1" baseline="0" cap="none" i="0" spc="0" strike="noStrike" sz="4400" u="none">
+        <a:defRPr sz="4400" b="1" i="0" u="none" strike="noStrike" cap="none" spc="0" baseline="0">
           <a:solidFill>
             <a:srgbClr val="000000"/>
           </a:solidFill>
@@ -1198,7 +1229,7 @@
         <a:buFontTx/>
         <a:buNone/>
         <a:tabLst/>
-        <a:defRPr b="0" baseline="0" cap="none" i="0" spc="0" strike="noStrike" sz="3200" u="none">
+        <a:defRPr sz="3200" b="0" i="0" u="none" strike="noStrike" cap="none" spc="0" baseline="0">
           <a:solidFill>
             <a:srgbClr val="888888"/>
           </a:solidFill>
@@ -1224,7 +1255,7 @@
         <a:buFontTx/>
         <a:buNone/>
         <a:tabLst/>
-        <a:defRPr b="0" baseline="0" cap="none" i="0" spc="0" strike="noStrike" sz="3200" u="none">
+        <a:defRPr sz="3200" b="0" i="0" u="none" strike="noStrike" cap="none" spc="0" baseline="0">
           <a:solidFill>
             <a:srgbClr val="888888"/>
           </a:solidFill>
@@ -1250,7 +1281,7 @@
         <a:buFontTx/>
         <a:buNone/>
         <a:tabLst/>
-        <a:defRPr b="0" baseline="0" cap="none" i="0" spc="0" strike="noStrike" sz="3200" u="none">
+        <a:defRPr sz="3200" b="0" i="0" u="none" strike="noStrike" cap="none" spc="0" baseline="0">
           <a:solidFill>
             <a:srgbClr val="888888"/>
           </a:solidFill>
@@ -1276,7 +1307,7 @@
         <a:buFontTx/>
         <a:buNone/>
         <a:tabLst/>
-        <a:defRPr b="0" baseline="0" cap="none" i="0" spc="0" strike="noStrike" sz="3200" u="none">
+        <a:defRPr sz="3200" b="0" i="0" u="none" strike="noStrike" cap="none" spc="0" baseline="0">
           <a:solidFill>
             <a:srgbClr val="888888"/>
           </a:solidFill>
@@ -1302,7 +1333,7 @@
         <a:buFontTx/>
         <a:buNone/>
         <a:tabLst/>
-        <a:defRPr b="0" baseline="0" cap="none" i="0" spc="0" strike="noStrike" sz="3200" u="none">
+        <a:defRPr sz="3200" b="0" i="0" u="none" strike="noStrike" cap="none" spc="0" baseline="0">
           <a:solidFill>
             <a:srgbClr val="888888"/>
           </a:solidFill>
@@ -1328,7 +1359,7 @@
         <a:buFontTx/>
         <a:buNone/>
         <a:tabLst/>
-        <a:defRPr b="0" baseline="0" cap="none" i="0" spc="0" strike="noStrike" sz="3200" u="none">
+        <a:defRPr sz="3200" b="0" i="0" u="none" strike="noStrike" cap="none" spc="0" baseline="0">
           <a:solidFill>
             <a:srgbClr val="888888"/>
           </a:solidFill>
@@ -1354,7 +1385,7 @@
         <a:buFontTx/>
         <a:buNone/>
         <a:tabLst/>
-        <a:defRPr b="0" baseline="0" cap="none" i="0" spc="0" strike="noStrike" sz="3200" u="none">
+        <a:defRPr sz="3200" b="0" i="0" u="none" strike="noStrike" cap="none" spc="0" baseline="0">
           <a:solidFill>
             <a:srgbClr val="888888"/>
           </a:solidFill>
@@ -1380,7 +1411,7 @@
         <a:buFontTx/>
         <a:buNone/>
         <a:tabLst/>
-        <a:defRPr b="0" baseline="0" cap="none" i="0" spc="0" strike="noStrike" sz="3200" u="none">
+        <a:defRPr sz="3200" b="0" i="0" u="none" strike="noStrike" cap="none" spc="0" baseline="0">
           <a:solidFill>
             <a:srgbClr val="888888"/>
           </a:solidFill>
@@ -1406,7 +1437,7 @@
         <a:buFontTx/>
         <a:buNone/>
         <a:tabLst/>
-        <a:defRPr b="0" baseline="0" cap="none" i="0" spc="0" strike="noStrike" sz="3200" u="none">
+        <a:defRPr sz="3200" b="0" i="0" u="none" strike="noStrike" cap="none" spc="0" baseline="0">
           <a:solidFill>
             <a:srgbClr val="888888"/>
           </a:solidFill>
@@ -1434,7 +1465,7 @@
         <a:buFontTx/>
         <a:buNone/>
         <a:tabLst/>
-        <a:defRPr b="0" baseline="0" cap="none" i="0" spc="0" strike="noStrike" sz="1200" u="none">
+        <a:defRPr sz="1200" b="0" i="0" u="none" strike="noStrike" cap="none" spc="0" baseline="0">
           <a:solidFill>
             <a:schemeClr val="tx1"/>
           </a:solidFill>
@@ -1460,7 +1491,7 @@
         <a:buFontTx/>
         <a:buNone/>
         <a:tabLst/>
-        <a:defRPr b="0" baseline="0" cap="none" i="0" spc="0" strike="noStrike" sz="1200" u="none">
+        <a:defRPr sz="1200" b="0" i="0" u="none" strike="noStrike" cap="none" spc="0" baseline="0">
           <a:solidFill>
             <a:schemeClr val="tx1"/>
           </a:solidFill>
@@ -1486,7 +1517,7 @@
         <a:buFontTx/>
         <a:buNone/>
         <a:tabLst/>
-        <a:defRPr b="0" baseline="0" cap="none" i="0" spc="0" strike="noStrike" sz="1200" u="none">
+        <a:defRPr sz="1200" b="0" i="0" u="none" strike="noStrike" cap="none" spc="0" baseline="0">
           <a:solidFill>
             <a:schemeClr val="tx1"/>
           </a:solidFill>
@@ -1512,7 +1543,7 @@
         <a:buFontTx/>
         <a:buNone/>
         <a:tabLst/>
-        <a:defRPr b="0" baseline="0" cap="none" i="0" spc="0" strike="noStrike" sz="1200" u="none">
+        <a:defRPr sz="1200" b="0" i="0" u="none" strike="noStrike" cap="none" spc="0" baseline="0">
           <a:solidFill>
             <a:schemeClr val="tx1"/>
           </a:solidFill>
@@ -1538,7 +1569,7 @@
         <a:buFontTx/>
         <a:buNone/>
         <a:tabLst/>
-        <a:defRPr b="0" baseline="0" cap="none" i="0" spc="0" strike="noStrike" sz="1200" u="none">
+        <a:defRPr sz="1200" b="0" i="0" u="none" strike="noStrike" cap="none" spc="0" baseline="0">
           <a:solidFill>
             <a:schemeClr val="tx1"/>
           </a:solidFill>
@@ -1564,7 +1595,7 @@
         <a:buFontTx/>
         <a:buNone/>
         <a:tabLst/>
-        <a:defRPr b="0" baseline="0" cap="none" i="0" spc="0" strike="noStrike" sz="1200" u="none">
+        <a:defRPr sz="1200" b="0" i="0" u="none" strike="noStrike" cap="none" spc="0" baseline="0">
           <a:solidFill>
             <a:schemeClr val="tx1"/>
           </a:solidFill>
@@ -1590,7 +1621,7 @@
         <a:buFontTx/>
         <a:buNone/>
         <a:tabLst/>
-        <a:defRPr b="0" baseline="0" cap="none" i="0" spc="0" strike="noStrike" sz="1200" u="none">
+        <a:defRPr sz="1200" b="0" i="0" u="none" strike="noStrike" cap="none" spc="0" baseline="0">
           <a:solidFill>
             <a:schemeClr val="tx1"/>
           </a:solidFill>
@@ -1616,7 +1647,7 @@
         <a:buFontTx/>
         <a:buNone/>
         <a:tabLst/>
-        <a:defRPr b="0" baseline="0" cap="none" i="0" spc="0" strike="noStrike" sz="1200" u="none">
+        <a:defRPr sz="1200" b="0" i="0" u="none" strike="noStrike" cap="none" spc="0" baseline="0">
           <a:solidFill>
             <a:schemeClr val="tx1"/>
           </a:solidFill>
@@ -1642,7 +1673,7 @@
         <a:buFontTx/>
         <a:buNone/>
         <a:tabLst/>
-        <a:defRPr b="0" baseline="0" cap="none" i="0" spc="0" strike="noStrike" sz="1200" u="none">
+        <a:defRPr sz="1200" b="0" i="0" u="none" strike="noStrike" cap="none" spc="0" baseline="0">
           <a:solidFill>
             <a:schemeClr val="tx1"/>
           </a:solidFill>
@@ -1659,17 +1690,18 @@
 </file>
 
 <file path=ppt/slides/slide1.xml><?xml version="1.0" encoding="utf-8"?>
-<p:sld xmlns:a="http://schemas.openxmlformats.org/drawingml/2006/main" xmlns:r="http://schemas.openxmlformats.org/officeDocument/2006/relationships" xmlns:p="http://schemas.openxmlformats.org/presentationml/2006/main" xmlns:m="http://schemas.openxmlformats.org/officeDocument/2006/math" xmlns:a14="http://schemas.microsoft.com/office/drawing/2010/main" showMasterSp="1" showMasterPhAnim="1">
+<p:sld xmlns:a="http://schemas.openxmlformats.org/drawingml/2006/main" xmlns:r="http://schemas.openxmlformats.org/officeDocument/2006/relationships" xmlns:p="http://schemas.openxmlformats.org/presentationml/2006/main">
   <p:cSld>
     <p:bg>
       <p:bgPr>
         <a:blipFill rotWithShape="1">
           <a:blip r:embed="rId2"/>
-          <a:srcRect l="0" t="0" r="0" b="0"/>
+          <a:srcRect/>
           <a:stretch>
             <a:fillRect/>
           </a:stretch>
         </a:blipFill>
+        <a:effectLst/>
       </p:bgPr>
     </p:bg>
     <p:spTree>
@@ -1689,7 +1721,9 @@
       <p:sp>
         <p:nvSpPr>
           <p:cNvPr id="31" name="Title 1"/>
-          <p:cNvSpPr txBox="1"/>
+          <p:cNvSpPr txBox="1">
+            <a:spLocks noGrp="1"/>
+          </p:cNvSpPr>
           <p:nvPr>
             <p:ph type="ctrTitle"/>
           </p:nvPr>
@@ -1704,14 +1738,15 @@
           </a:prstGeom>
         </p:spPr>
         <p:txBody>
-          <a:bodyPr/>
+          <a:bodyPr>
+            <a:normAutofit fontScale="90000"/>
+          </a:bodyPr>
           <a:lstStyle>
             <a:lvl1pPr defTabSz="694944">
               <a:defRPr sz="4560"/>
             </a:lvl1pPr>
           </a:lstStyle>
           <a:p>
-            <a:pPr/>
             <a:r>
               <a:t>Progressive Website Application</a:t>
             </a:r>
@@ -1721,7 +1756,9 @@
       <p:sp>
         <p:nvSpPr>
           <p:cNvPr id="32" name="Subtitle 2"/>
-          <p:cNvSpPr txBox="1"/>
+          <p:cNvSpPr txBox="1">
+            <a:spLocks noGrp="1"/>
+          </p:cNvSpPr>
           <p:nvPr>
             <p:ph type="subTitle" sz="half" idx="1"/>
           </p:nvPr>
@@ -1750,7 +1787,6 @@
             </a:lvl1pPr>
           </a:lstStyle>
           <a:p>
-            <a:pPr/>
             <a:r>
               <a:t>Gender Equality Awareness</a:t>
             </a:r>
@@ -1762,22 +1798,735 @@
   <p:clrMapOvr>
     <a:masterClrMapping/>
   </p:clrMapOvr>
-  <p:transition xmlns:p14="http://schemas.microsoft.com/office/powerpoint/2010/main" spd="med" advClick="1"/>
+  <p:transition spd="med"/>
+</p:sld>
+</file>
+
+<file path=ppt/slides/slide10.xml><?xml version="1.0" encoding="utf-8"?>
+<p:sld xmlns:a="http://schemas.openxmlformats.org/drawingml/2006/main" xmlns:r="http://schemas.openxmlformats.org/officeDocument/2006/relationships" xmlns:p="http://schemas.openxmlformats.org/presentationml/2006/main">
+  <p:cSld>
+    <p:spTree>
+      <p:nvGrpSpPr>
+        <p:cNvPr id="1" name=""/>
+        <p:cNvGrpSpPr/>
+        <p:nvPr/>
+      </p:nvGrpSpPr>
+      <p:grpSpPr>
+        <a:xfrm>
+          <a:off x="0" y="0"/>
+          <a:ext cx="0" cy="0"/>
+          <a:chOff x="0" y="0"/>
+          <a:chExt cx="0" cy="0"/>
+        </a:xfrm>
+      </p:grpSpPr>
+      <p:sp>
+        <p:nvSpPr>
+          <p:cNvPr id="52" name="Title 1"/>
+          <p:cNvSpPr txBox="1">
+            <a:spLocks noGrp="1"/>
+          </p:cNvSpPr>
+          <p:nvPr>
+            <p:ph type="title"/>
+          </p:nvPr>
+        </p:nvSpPr>
+        <p:spPr>
+          <a:prstGeom prst="rect">
+            <a:avLst/>
+          </a:prstGeom>
+        </p:spPr>
+        <p:txBody>
+          <a:bodyPr/>
+          <a:lstStyle/>
+          <a:p>
+            <a:r>
+              <a:t>Functionality</a:t>
+            </a:r>
+          </a:p>
+        </p:txBody>
+      </p:sp>
+      <p:sp>
+        <p:nvSpPr>
+          <p:cNvPr id="53" name="Content Placeholder 2"/>
+          <p:cNvSpPr txBox="1">
+            <a:spLocks noGrp="1"/>
+          </p:cNvSpPr>
+          <p:nvPr>
+            <p:ph type="body" idx="1"/>
+          </p:nvPr>
+        </p:nvSpPr>
+        <p:spPr>
+          <a:prstGeom prst="rect">
+            <a:avLst/>
+          </a:prstGeom>
+        </p:spPr>
+        <p:txBody>
+          <a:bodyPr/>
+          <a:lstStyle/>
+          <a:p>
+            <a:pPr marL="266298" indent="-266298" defTabSz="758951">
+              <a:spcBef>
+                <a:spcPts val="600"/>
+              </a:spcBef>
+              <a:buFontTx/>
+              <a:defRPr sz="2656"/>
+            </a:pPr>
+            <a:r>
+              <a:t>Visual Appeal:</a:t>
+            </a:r>
+          </a:p>
+          <a:p>
+            <a:pPr marL="1022477" lvl="1" indent="-527050" defTabSz="758951">
+              <a:spcBef>
+                <a:spcPts val="600"/>
+              </a:spcBef>
+              <a:buClr>
+                <a:srgbClr val="ECECEC"/>
+              </a:buClr>
+              <a:buFont typeface="TimesNewRomanPSMT"/>
+              <a:buChar char="•"/>
+              <a:defRPr sz="2656"/>
+            </a:pPr>
+            <a:r>
+              <a:t>The application features a visually appealing design with typography, colors, and images to enhance readability and engagement.</a:t>
+            </a:r>
+          </a:p>
+          <a:p>
+            <a:pPr marL="1022477" lvl="1" indent="-527050" defTabSz="758951">
+              <a:spcBef>
+                <a:spcPts val="600"/>
+              </a:spcBef>
+              <a:buClr>
+                <a:srgbClr val="ECECEC"/>
+              </a:buClr>
+              <a:buFont typeface="TimesNewRomanPSMT"/>
+              <a:buChar char="•"/>
+              <a:defRPr sz="2656"/>
+            </a:pPr>
+            <a:r>
+              <a:t>It uses external libraries like Bootstrap, Font Awesome, and Google Fonts to style and decorate the interface.</a:t>
+            </a:r>
+          </a:p>
+          <a:p>
+            <a:pPr marL="1022477" lvl="1" indent="-527050" defTabSz="758951">
+              <a:spcBef>
+                <a:spcPts val="600"/>
+              </a:spcBef>
+              <a:buClr>
+                <a:srgbClr val="ECECEC"/>
+              </a:buClr>
+              <a:buFont typeface="TimesNewRomanPSMT"/>
+              <a:buChar char="•"/>
+              <a:defRPr sz="2656"/>
+            </a:pPr>
+            <a:endParaRPr/>
+          </a:p>
+        </p:txBody>
+      </p:sp>
+    </p:spTree>
+  </p:cSld>
+  <p:clrMapOvr>
+    <a:masterClrMapping/>
+  </p:clrMapOvr>
+  <p:transition spd="med"/>
 </p:sld>
 </file>
 
 <file path=ppt/slides/slide2.xml><?xml version="1.0" encoding="utf-8"?>
-<p:sld xmlns:a="http://schemas.openxmlformats.org/drawingml/2006/main" xmlns:r="http://schemas.openxmlformats.org/officeDocument/2006/relationships" xmlns:p="http://schemas.openxmlformats.org/presentationml/2006/main" xmlns:m="http://schemas.openxmlformats.org/officeDocument/2006/math" xmlns:a14="http://schemas.microsoft.com/office/drawing/2010/main" showMasterSp="1" showMasterPhAnim="1">
+<p:sld xmlns:a="http://schemas.openxmlformats.org/drawingml/2006/main" xmlns:r="http://schemas.openxmlformats.org/officeDocument/2006/relationships" xmlns:p="http://schemas.openxmlformats.org/presentationml/2006/main">
+  <p:cSld>
+    <p:spTree>
+      <p:nvGrpSpPr>
+        <p:cNvPr id="1" name=""/>
+        <p:cNvGrpSpPr/>
+        <p:nvPr/>
+      </p:nvGrpSpPr>
+      <p:grpSpPr>
+        <a:xfrm>
+          <a:off x="0" y="0"/>
+          <a:ext cx="0" cy="0"/>
+          <a:chOff x="0" y="0"/>
+          <a:chExt cx="0" cy="0"/>
+        </a:xfrm>
+      </p:grpSpPr>
+      <p:sp>
+        <p:nvSpPr>
+          <p:cNvPr id="37" name="Title 1"/>
+          <p:cNvSpPr txBox="1">
+            <a:spLocks noGrp="1"/>
+          </p:cNvSpPr>
+          <p:nvPr>
+            <p:ph type="title"/>
+          </p:nvPr>
+        </p:nvSpPr>
+        <p:spPr>
+          <a:prstGeom prst="rect">
+            <a:avLst/>
+          </a:prstGeom>
+        </p:spPr>
+        <p:txBody>
+          <a:bodyPr/>
+          <a:lstStyle/>
+          <a:p>
+            <a:r>
+              <a:rPr lang="en-US" dirty="0"/>
+              <a:t>Web App Install</a:t>
+            </a:r>
+            <a:endParaRPr dirty="0"/>
+          </a:p>
+        </p:txBody>
+      </p:sp>
+      <p:pic>
+        <p:nvPicPr>
+          <p:cNvPr id="1026" name="Picture 2" descr="No description available.">
+            <a:extLst>
+              <a:ext uri="{FF2B5EF4-FFF2-40B4-BE49-F238E27FC236}">
+                <a16:creationId xmlns:a16="http://schemas.microsoft.com/office/drawing/2014/main" id="{93958D52-60FD-7725-7063-E532FB6B5C81}"/>
+              </a:ext>
+            </a:extLst>
+          </p:cNvPr>
+          <p:cNvPicPr>
+            <a:picLocks noChangeAspect="1" noChangeArrowheads="1"/>
+          </p:cNvPicPr>
+          <p:nvPr/>
+        </p:nvPicPr>
+        <p:blipFill rotWithShape="1">
+          <a:blip r:embed="rId2" cstate="print">
+            <a:extLst>
+              <a:ext uri="{28A0092B-C50C-407E-A947-70E740481C1C}">
+                <a14:useLocalDpi xmlns:a14="http://schemas.microsoft.com/office/drawing/2010/main" val="0"/>
+              </a:ext>
+            </a:extLst>
+          </a:blip>
+          <a:srcRect t="4502"/>
+          <a:stretch/>
+        </p:blipFill>
+        <p:spPr bwMode="auto">
+          <a:xfrm>
+            <a:off x="457200" y="1295400"/>
+            <a:ext cx="2145323" cy="4097478"/>
+          </a:xfrm>
+          <a:prstGeom prst="rect">
+            <a:avLst/>
+          </a:prstGeom>
+          <a:noFill/>
+          <a:extLst>
+            <a:ext uri="{909E8E84-426E-40DD-AFC4-6F175D3DCCD1}">
+              <a14:hiddenFill xmlns:a14="http://schemas.microsoft.com/office/drawing/2010/main">
+                <a:solidFill>
+                  <a:srgbClr val="FFFFFF"/>
+                </a:solidFill>
+              </a14:hiddenFill>
+            </a:ext>
+          </a:extLst>
+        </p:spPr>
+      </p:pic>
+      <p:pic>
+        <p:nvPicPr>
+          <p:cNvPr id="1028" name="Picture 4" descr="No description available.">
+            <a:extLst>
+              <a:ext uri="{FF2B5EF4-FFF2-40B4-BE49-F238E27FC236}">
+                <a16:creationId xmlns:a16="http://schemas.microsoft.com/office/drawing/2014/main" id="{677F5EB9-EB0F-4F45-60EE-959DA93C34F8}"/>
+              </a:ext>
+            </a:extLst>
+          </p:cNvPr>
+          <p:cNvPicPr>
+            <a:picLocks noChangeAspect="1" noChangeArrowheads="1"/>
+          </p:cNvPicPr>
+          <p:nvPr/>
+        </p:nvPicPr>
+        <p:blipFill>
+          <a:blip r:embed="rId3" cstate="print">
+            <a:extLst>
+              <a:ext uri="{28A0092B-C50C-407E-A947-70E740481C1C}">
+                <a14:useLocalDpi xmlns:a14="http://schemas.microsoft.com/office/drawing/2010/main" val="0"/>
+              </a:ext>
+            </a:extLst>
+          </a:blip>
+          <a:srcRect/>
+          <a:stretch>
+            <a:fillRect/>
+          </a:stretch>
+        </p:blipFill>
+        <p:spPr bwMode="auto">
+          <a:xfrm>
+            <a:off x="3257550" y="1295400"/>
+            <a:ext cx="2038056" cy="4076112"/>
+          </a:xfrm>
+          <a:prstGeom prst="rect">
+            <a:avLst/>
+          </a:prstGeom>
+          <a:noFill/>
+          <a:extLst>
+            <a:ext uri="{909E8E84-426E-40DD-AFC4-6F175D3DCCD1}">
+              <a14:hiddenFill xmlns:a14="http://schemas.microsoft.com/office/drawing/2010/main">
+                <a:solidFill>
+                  <a:srgbClr val="FFFFFF"/>
+                </a:solidFill>
+              </a14:hiddenFill>
+            </a:ext>
+          </a:extLst>
+        </p:spPr>
+      </p:pic>
+      <p:pic>
+        <p:nvPicPr>
+          <p:cNvPr id="1030" name="Picture 6" descr="No description available.">
+            <a:extLst>
+              <a:ext uri="{FF2B5EF4-FFF2-40B4-BE49-F238E27FC236}">
+                <a16:creationId xmlns:a16="http://schemas.microsoft.com/office/drawing/2014/main" id="{F373349F-7DD1-B8A4-E2AD-DCFCAA8996E0}"/>
+              </a:ext>
+            </a:extLst>
+          </p:cNvPr>
+          <p:cNvPicPr>
+            <a:picLocks noChangeAspect="1" noChangeArrowheads="1"/>
+          </p:cNvPicPr>
+          <p:nvPr/>
+        </p:nvPicPr>
+        <p:blipFill>
+          <a:blip r:embed="rId4" cstate="print">
+            <a:extLst>
+              <a:ext uri="{28A0092B-C50C-407E-A947-70E740481C1C}">
+                <a14:useLocalDpi xmlns:a14="http://schemas.microsoft.com/office/drawing/2010/main" val="0"/>
+              </a:ext>
+            </a:extLst>
+          </a:blip>
+          <a:srcRect/>
+          <a:stretch>
+            <a:fillRect/>
+          </a:stretch>
+        </p:blipFill>
+        <p:spPr bwMode="auto">
+          <a:xfrm>
+            <a:off x="6094828" y="1295400"/>
+            <a:ext cx="2038056" cy="4076111"/>
+          </a:xfrm>
+          <a:prstGeom prst="rect">
+            <a:avLst/>
+          </a:prstGeom>
+          <a:noFill/>
+          <a:extLst>
+            <a:ext uri="{909E8E84-426E-40DD-AFC4-6F175D3DCCD1}">
+              <a14:hiddenFill xmlns:a14="http://schemas.microsoft.com/office/drawing/2010/main">
+                <a:solidFill>
+                  <a:srgbClr val="FFFFFF"/>
+                </a:solidFill>
+              </a14:hiddenFill>
+            </a:ext>
+          </a:extLst>
+        </p:spPr>
+      </p:pic>
+      <p:cxnSp>
+        <p:nvCxnSpPr>
+          <p:cNvPr id="3" name="Straight Arrow Connector 2">
+            <a:extLst>
+              <a:ext uri="{FF2B5EF4-FFF2-40B4-BE49-F238E27FC236}">
+                <a16:creationId xmlns:a16="http://schemas.microsoft.com/office/drawing/2014/main" id="{E9038262-3B03-00A8-713E-4C6BBD7F9AF2}"/>
+              </a:ext>
+            </a:extLst>
+          </p:cNvPr>
+          <p:cNvCxnSpPr/>
+          <p:nvPr/>
+        </p:nvCxnSpPr>
+        <p:spPr>
+          <a:xfrm flipV="1">
+            <a:off x="3257550" y="3717561"/>
+            <a:ext cx="609912" cy="764498"/>
+          </a:xfrm>
+          <a:prstGeom prst="straightConnector1">
+            <a:avLst/>
+          </a:prstGeom>
+          <a:noFill/>
+          <a:ln w="25400" cap="flat">
+            <a:solidFill>
+              <a:schemeClr val="accent1"/>
+            </a:solidFill>
+            <a:prstDash val="solid"/>
+            <a:round/>
+            <a:tailEnd type="triangle"/>
+          </a:ln>
+          <a:effectLst>
+            <a:outerShdw blurRad="38100" dist="20000" dir="5400000" rotWithShape="0">
+              <a:srgbClr val="000000">
+                <a:alpha val="38000"/>
+              </a:srgbClr>
+            </a:outerShdw>
+          </a:effectLst>
+          <a:sp3d/>
+        </p:spPr>
+        <p:style>
+          <a:lnRef idx="0">
+            <a:scrgbClr r="0" g="0" b="0"/>
+          </a:lnRef>
+          <a:fillRef idx="0">
+            <a:scrgbClr r="0" g="0" b="0"/>
+          </a:fillRef>
+          <a:effectRef idx="0">
+            <a:scrgbClr r="0" g="0" b="0"/>
+          </a:effectRef>
+          <a:fontRef idx="none"/>
+        </p:style>
+      </p:cxnSp>
+    </p:spTree>
+  </p:cSld>
+  <p:clrMapOvr>
+    <a:masterClrMapping/>
+  </p:clrMapOvr>
+  <p:transition spd="med"/>
+</p:sld>
+</file>
+
+<file path=ppt/slides/slide3.xml><?xml version="1.0" encoding="utf-8"?>
+<p:sld xmlns:a="http://schemas.openxmlformats.org/drawingml/2006/main" xmlns:r="http://schemas.openxmlformats.org/officeDocument/2006/relationships" xmlns:p="http://schemas.openxmlformats.org/presentationml/2006/main">
+  <p:cSld>
+    <p:spTree>
+      <p:nvGrpSpPr>
+        <p:cNvPr id="1" name=""/>
+        <p:cNvGrpSpPr/>
+        <p:nvPr/>
+      </p:nvGrpSpPr>
+      <p:grpSpPr>
+        <a:xfrm>
+          <a:off x="0" y="0"/>
+          <a:ext cx="0" cy="0"/>
+          <a:chOff x="0" y="0"/>
+          <a:chExt cx="0" cy="0"/>
+        </a:xfrm>
+      </p:grpSpPr>
+      <p:sp>
+        <p:nvSpPr>
+          <p:cNvPr id="37" name="Title 1"/>
+          <p:cNvSpPr txBox="1">
+            <a:spLocks noGrp="1"/>
+          </p:cNvSpPr>
+          <p:nvPr>
+            <p:ph type="title"/>
+          </p:nvPr>
+        </p:nvSpPr>
+        <p:spPr>
+          <a:prstGeom prst="rect">
+            <a:avLst/>
+          </a:prstGeom>
+        </p:spPr>
+        <p:txBody>
+          <a:bodyPr/>
+          <a:lstStyle/>
+          <a:p>
+            <a:r>
+              <a:rPr lang="en-US" dirty="0"/>
+              <a:t>Web App Install</a:t>
+            </a:r>
+            <a:endParaRPr dirty="0"/>
+          </a:p>
+        </p:txBody>
+      </p:sp>
+      <p:pic>
+        <p:nvPicPr>
+          <p:cNvPr id="2050" name="Picture 2" descr="No description available.">
+            <a:extLst>
+              <a:ext uri="{FF2B5EF4-FFF2-40B4-BE49-F238E27FC236}">
+                <a16:creationId xmlns:a16="http://schemas.microsoft.com/office/drawing/2014/main" id="{3331262B-CA02-6190-5BA4-F5893EB62DC1}"/>
+              </a:ext>
+            </a:extLst>
+          </p:cNvPr>
+          <p:cNvPicPr>
+            <a:picLocks noChangeAspect="1" noChangeArrowheads="1"/>
+          </p:cNvPicPr>
+          <p:nvPr/>
+        </p:nvPicPr>
+        <p:blipFill>
+          <a:blip r:embed="rId2" cstate="print">
+            <a:extLst>
+              <a:ext uri="{28A0092B-C50C-407E-A947-70E740481C1C}">
+                <a14:useLocalDpi xmlns:a14="http://schemas.microsoft.com/office/drawing/2010/main" val="0"/>
+              </a:ext>
+            </a:extLst>
+          </a:blip>
+          <a:srcRect/>
+          <a:stretch>
+            <a:fillRect/>
+          </a:stretch>
+        </p:blipFill>
+        <p:spPr bwMode="auto">
+          <a:xfrm>
+            <a:off x="835270" y="1424354"/>
+            <a:ext cx="2004646" cy="4009291"/>
+          </a:xfrm>
+          <a:prstGeom prst="rect">
+            <a:avLst/>
+          </a:prstGeom>
+          <a:noFill/>
+          <a:extLst>
+            <a:ext uri="{909E8E84-426E-40DD-AFC4-6F175D3DCCD1}">
+              <a14:hiddenFill xmlns:a14="http://schemas.microsoft.com/office/drawing/2010/main">
+                <a:solidFill>
+                  <a:srgbClr val="FFFFFF"/>
+                </a:solidFill>
+              </a14:hiddenFill>
+            </a:ext>
+          </a:extLst>
+        </p:spPr>
+      </p:pic>
+      <p:sp>
+        <p:nvSpPr>
+          <p:cNvPr id="2" name="Oval 1">
+            <a:extLst>
+              <a:ext uri="{FF2B5EF4-FFF2-40B4-BE49-F238E27FC236}">
+                <a16:creationId xmlns:a16="http://schemas.microsoft.com/office/drawing/2014/main" id="{D36E66F1-FA08-802B-1BFA-D451CC3C41E3}"/>
+              </a:ext>
+            </a:extLst>
+          </p:cNvPr>
+          <p:cNvSpPr/>
+          <p:nvPr/>
+        </p:nvSpPr>
+        <p:spPr>
+          <a:xfrm>
+            <a:off x="722728" y="1977682"/>
+            <a:ext cx="822960" cy="863991"/>
+          </a:xfrm>
+          <a:prstGeom prst="ellipse">
+            <a:avLst/>
+          </a:prstGeom>
+          <a:noFill/>
+          <a:ln w="25400" cap="flat">
+            <a:solidFill>
+              <a:schemeClr val="accent1"/>
+            </a:solidFill>
+            <a:prstDash val="solid"/>
+            <a:round/>
+          </a:ln>
+          <a:effectLst>
+            <a:outerShdw blurRad="38100" dist="23000" dir="5400000" rotWithShape="0">
+              <a:srgbClr val="000000">
+                <a:alpha val="35000"/>
+              </a:srgbClr>
+            </a:outerShdw>
+          </a:effectLst>
+          <a:sp3d/>
+        </p:spPr>
+        <p:style>
+          <a:lnRef idx="0">
+            <a:scrgbClr r="0" g="0" b="0"/>
+          </a:lnRef>
+          <a:fillRef idx="0">
+            <a:scrgbClr r="0" g="0" b="0"/>
+          </a:fillRef>
+          <a:effectRef idx="0">
+            <a:scrgbClr r="0" g="0" b="0"/>
+          </a:effectRef>
+          <a:fontRef idx="none"/>
+        </p:style>
+        <p:txBody>
+          <a:bodyPr rot="0" spcFirstLastPara="1" vertOverflow="overflow" horzOverflow="overflow" vert="horz" wrap="square" lIns="45719" tIns="45719" rIns="45719" bIns="45719" numCol="1" spcCol="38100" rtlCol="0" anchor="ctr">
+            <a:spAutoFit/>
+          </a:bodyPr>
+          <a:lstStyle/>
+          <a:p>
+            <a:pPr marL="0" marR="0" indent="0" algn="l" defTabSz="914400" rtl="0" fontAlgn="auto" latinLnBrk="0" hangingPunct="0">
+              <a:lnSpc>
+                <a:spcPct val="100000"/>
+              </a:lnSpc>
+              <a:spcBef>
+                <a:spcPts val="0"/>
+              </a:spcBef>
+              <a:spcAft>
+                <a:spcPts val="0"/>
+              </a:spcAft>
+              <a:buClrTx/>
+              <a:buSzTx/>
+              <a:buFontTx/>
+              <a:buNone/>
+              <a:tabLst/>
+            </a:pPr>
+            <a:endParaRPr kumimoji="0" lang="en-PH" sz="1800" b="0" i="0" u="none" strike="noStrike" cap="none" spc="0" normalizeH="0" baseline="0">
+              <a:ln>
+                <a:noFill/>
+              </a:ln>
+              <a:solidFill>
+                <a:srgbClr val="000000"/>
+              </a:solidFill>
+              <a:effectLst/>
+              <a:uFillTx/>
+              <a:latin typeface="Franklin Gothic Book"/>
+              <a:ea typeface="Franklin Gothic Book"/>
+              <a:cs typeface="Franklin Gothic Book"/>
+              <a:sym typeface="Franklin Gothic Book"/>
+            </a:endParaRPr>
+          </a:p>
+        </p:txBody>
+      </p:sp>
+      <p:cxnSp>
+        <p:nvCxnSpPr>
+          <p:cNvPr id="4" name="Straight Arrow Connector 3">
+            <a:extLst>
+              <a:ext uri="{FF2B5EF4-FFF2-40B4-BE49-F238E27FC236}">
+                <a16:creationId xmlns:a16="http://schemas.microsoft.com/office/drawing/2014/main" id="{E4DDE505-DBD0-89EA-0C69-7DF46AF4D4DC}"/>
+              </a:ext>
+            </a:extLst>
+          </p:cNvPr>
+          <p:cNvCxnSpPr>
+            <a:cxnSpLocks/>
+          </p:cNvCxnSpPr>
+          <p:nvPr/>
+        </p:nvCxnSpPr>
+        <p:spPr>
+          <a:xfrm flipH="1" flipV="1">
+            <a:off x="1392702" y="2841673"/>
+            <a:ext cx="858129" cy="1181687"/>
+          </a:xfrm>
+          <a:prstGeom prst="straightConnector1">
+            <a:avLst/>
+          </a:prstGeom>
+          <a:noFill/>
+          <a:ln w="25400" cap="flat">
+            <a:solidFill>
+              <a:schemeClr val="accent1"/>
+            </a:solidFill>
+            <a:prstDash val="solid"/>
+            <a:round/>
+            <a:tailEnd type="triangle"/>
+          </a:ln>
+          <a:effectLst>
+            <a:outerShdw blurRad="38100" dist="20000" dir="5400000" rotWithShape="0">
+              <a:srgbClr val="000000">
+                <a:alpha val="38000"/>
+              </a:srgbClr>
+            </a:outerShdw>
+          </a:effectLst>
+          <a:sp3d/>
+        </p:spPr>
+        <p:style>
+          <a:lnRef idx="0">
+            <a:scrgbClr r="0" g="0" b="0"/>
+          </a:lnRef>
+          <a:fillRef idx="0">
+            <a:scrgbClr r="0" g="0" b="0"/>
+          </a:fillRef>
+          <a:effectRef idx="0">
+            <a:scrgbClr r="0" g="0" b="0"/>
+          </a:effectRef>
+          <a:fontRef idx="none"/>
+        </p:style>
+      </p:cxnSp>
+      <p:pic>
+        <p:nvPicPr>
+          <p:cNvPr id="2052" name="Picture 4" descr="No description available.">
+            <a:extLst>
+              <a:ext uri="{FF2B5EF4-FFF2-40B4-BE49-F238E27FC236}">
+                <a16:creationId xmlns:a16="http://schemas.microsoft.com/office/drawing/2014/main" id="{DEBB4739-6213-F081-9CB1-EE2253699F26}"/>
+              </a:ext>
+            </a:extLst>
+          </p:cNvPr>
+          <p:cNvPicPr>
+            <a:picLocks noChangeAspect="1" noChangeArrowheads="1"/>
+          </p:cNvPicPr>
+          <p:nvPr/>
+        </p:nvPicPr>
+        <p:blipFill>
+          <a:blip r:embed="rId3" cstate="print">
+            <a:extLst>
+              <a:ext uri="{28A0092B-C50C-407E-A947-70E740481C1C}">
+                <a14:useLocalDpi xmlns:a14="http://schemas.microsoft.com/office/drawing/2010/main" val="0"/>
+              </a:ext>
+            </a:extLst>
+          </a:blip>
+          <a:srcRect/>
+          <a:stretch>
+            <a:fillRect/>
+          </a:stretch>
+        </p:blipFill>
+        <p:spPr bwMode="auto">
+          <a:xfrm>
+            <a:off x="3569677" y="1424354"/>
+            <a:ext cx="2004646" cy="4009292"/>
+          </a:xfrm>
+          <a:prstGeom prst="rect">
+            <a:avLst/>
+          </a:prstGeom>
+          <a:noFill/>
+          <a:extLst>
+            <a:ext uri="{909E8E84-426E-40DD-AFC4-6F175D3DCCD1}">
+              <a14:hiddenFill xmlns:a14="http://schemas.microsoft.com/office/drawing/2010/main">
+                <a:solidFill>
+                  <a:srgbClr val="FFFFFF"/>
+                </a:solidFill>
+              </a14:hiddenFill>
+            </a:ext>
+          </a:extLst>
+        </p:spPr>
+      </p:pic>
+      <p:pic>
+        <p:nvPicPr>
+          <p:cNvPr id="2054" name="Picture 6" descr="No description available.">
+            <a:extLst>
+              <a:ext uri="{FF2B5EF4-FFF2-40B4-BE49-F238E27FC236}">
+                <a16:creationId xmlns:a16="http://schemas.microsoft.com/office/drawing/2014/main" id="{D62B500D-9C8C-FC50-4E25-B66E10333B3E}"/>
+              </a:ext>
+            </a:extLst>
+          </p:cNvPr>
+          <p:cNvPicPr>
+            <a:picLocks noChangeAspect="1" noChangeArrowheads="1"/>
+          </p:cNvPicPr>
+          <p:nvPr/>
+        </p:nvPicPr>
+        <p:blipFill>
+          <a:blip r:embed="rId4" cstate="print">
+            <a:extLst>
+              <a:ext uri="{28A0092B-C50C-407E-A947-70E740481C1C}">
+                <a14:useLocalDpi xmlns:a14="http://schemas.microsoft.com/office/drawing/2010/main" val="0"/>
+              </a:ext>
+            </a:extLst>
+          </a:blip>
+          <a:srcRect/>
+          <a:stretch>
+            <a:fillRect/>
+          </a:stretch>
+        </p:blipFill>
+        <p:spPr bwMode="auto">
+          <a:xfrm>
+            <a:off x="6416626" y="1424353"/>
+            <a:ext cx="2004646" cy="4009292"/>
+          </a:xfrm>
+          <a:prstGeom prst="rect">
+            <a:avLst/>
+          </a:prstGeom>
+          <a:noFill/>
+          <a:extLst>
+            <a:ext uri="{909E8E84-426E-40DD-AFC4-6F175D3DCCD1}">
+              <a14:hiddenFill xmlns:a14="http://schemas.microsoft.com/office/drawing/2010/main">
+                <a:solidFill>
+                  <a:srgbClr val="FFFFFF"/>
+                </a:solidFill>
+              </a14:hiddenFill>
+            </a:ext>
+          </a:extLst>
+        </p:spPr>
+      </p:pic>
+    </p:spTree>
+    <p:extLst>
+      <p:ext uri="{BB962C8B-B14F-4D97-AF65-F5344CB8AC3E}">
+        <p14:creationId xmlns:p14="http://schemas.microsoft.com/office/powerpoint/2010/main" val="4145185849"/>
+      </p:ext>
+    </p:extLst>
+  </p:cSld>
+  <p:clrMapOvr>
+    <a:masterClrMapping/>
+  </p:clrMapOvr>
+  <p:transition spd="med"/>
+</p:sld>
+</file>
+
+<file path=ppt/slides/slide4.xml><?xml version="1.0" encoding="utf-8"?>
+<p:sld xmlns:a="http://schemas.openxmlformats.org/drawingml/2006/main" xmlns:r="http://schemas.openxmlformats.org/officeDocument/2006/relationships" xmlns:p="http://schemas.openxmlformats.org/presentationml/2006/main">
   <p:cSld>
     <p:bg>
       <p:bgPr>
         <a:blipFill rotWithShape="1">
           <a:blip r:embed="rId2"/>
-          <a:srcRect l="0" t="0" r="0" b="0"/>
+          <a:srcRect/>
           <a:stretch>
             <a:fillRect/>
           </a:stretch>
         </a:blipFill>
+        <a:effectLst/>
       </p:bgPr>
     </p:bg>
     <p:spTree>
@@ -1797,7 +2546,9 @@
       <p:sp>
         <p:nvSpPr>
           <p:cNvPr id="34" name="Title 1"/>
-          <p:cNvSpPr txBox="1"/>
+          <p:cNvSpPr txBox="1">
+            <a:spLocks noGrp="1"/>
+          </p:cNvSpPr>
           <p:nvPr>
             <p:ph type="ctrTitle"/>
           </p:nvPr>
@@ -1819,7 +2570,6 @@
             </a:lvl1pPr>
           </a:lstStyle>
           <a:p>
-            <a:pPr/>
             <a:r>
               <a:t>Key Features</a:t>
             </a:r>
@@ -1829,7 +2579,9 @@
       <p:sp>
         <p:nvSpPr>
           <p:cNvPr id="35" name="Subtitle 2"/>
-          <p:cNvSpPr txBox="1"/>
+          <p:cNvSpPr txBox="1">
+            <a:spLocks noGrp="1"/>
+          </p:cNvSpPr>
           <p:nvPr>
             <p:ph type="subTitle" sz="quarter" idx="1"/>
           </p:nvPr>
@@ -1858,7 +2610,6 @@
             </a:lvl1pPr>
           </a:lstStyle>
           <a:p>
-            <a:pPr/>
             <a:r>
               <a:t>  </a:t>
             </a:r>
@@ -1870,12 +2621,12 @@
   <p:clrMapOvr>
     <a:masterClrMapping/>
   </p:clrMapOvr>
-  <p:transition xmlns:p14="http://schemas.microsoft.com/office/powerpoint/2010/main" spd="med" advClick="1"/>
+  <p:transition spd="med"/>
 </p:sld>
 </file>
 
-<file path=ppt/slides/slide3.xml><?xml version="1.0" encoding="utf-8"?>
-<p:sld xmlns:a="http://schemas.openxmlformats.org/drawingml/2006/main" xmlns:r="http://schemas.openxmlformats.org/officeDocument/2006/relationships" xmlns:p="http://schemas.openxmlformats.org/presentationml/2006/main" xmlns:m="http://schemas.openxmlformats.org/officeDocument/2006/math" xmlns:a14="http://schemas.microsoft.com/office/drawing/2010/main" showMasterSp="1" showMasterPhAnim="1">
+<file path=ppt/slides/slide5.xml><?xml version="1.0" encoding="utf-8"?>
+<p:sld xmlns:a="http://schemas.openxmlformats.org/drawingml/2006/main" xmlns:r="http://schemas.openxmlformats.org/officeDocument/2006/relationships" xmlns:p="http://schemas.openxmlformats.org/presentationml/2006/main">
   <p:cSld>
     <p:spTree>
       <p:nvGrpSpPr>
@@ -1894,7 +2645,9 @@
       <p:sp>
         <p:nvSpPr>
           <p:cNvPr id="37" name="Title 1"/>
-          <p:cNvSpPr txBox="1"/>
+          <p:cNvSpPr txBox="1">
+            <a:spLocks noGrp="1"/>
+          </p:cNvSpPr>
           <p:nvPr>
             <p:ph type="title"/>
           </p:nvPr>
@@ -1908,7 +2661,6 @@
           <a:bodyPr/>
           <a:lstStyle/>
           <a:p>
-            <a:pPr/>
             <a:r>
               <a:t>Key Features</a:t>
             </a:r>
@@ -1918,7 +2670,9 @@
       <p:sp>
         <p:nvSpPr>
           <p:cNvPr id="38" name="Content Placeholder 2"/>
-          <p:cNvSpPr txBox="1"/>
+          <p:cNvSpPr txBox="1">
+            <a:spLocks noGrp="1"/>
+          </p:cNvSpPr>
           <p:nvPr>
             <p:ph type="body" idx="1"/>
           </p:nvPr>
@@ -1929,7 +2683,9 @@
           </a:prstGeom>
         </p:spPr>
         <p:txBody>
-          <a:bodyPr/>
+          <a:bodyPr>
+            <a:normAutofit/>
+          </a:bodyPr>
           <a:lstStyle/>
           <a:p>
             <a:pPr marL="284606" indent="-284606" defTabSz="758951">
@@ -1939,6 +2695,7 @@
               <a:defRPr sz="2656"/>
             </a:pPr>
             <a:r>
+              <a:rPr dirty="0"/>
               <a:t>Responsive Design: </a:t>
             </a:r>
           </a:p>
@@ -1954,17 +2711,20 @@
               <a:defRPr sz="2656"/>
             </a:pPr>
             <a:r>
+              <a:rPr dirty="0"/>
               <a:t>The application is designed to be responsive, ensuring that it looks and works well across various devices and screen sizes.</a:t>
             </a:r>
-          </a:p>
-          <a:p>
-            <a:pPr marL="266298" indent="-266298" defTabSz="758951">
+            <a:endParaRPr lang="en-US" dirty="0"/>
+          </a:p>
+          <a:p>
+            <a:pPr marL="440871" lvl="1" indent="0" defTabSz="758951">
               <a:spcBef>
                 <a:spcPts val="600"/>
               </a:spcBef>
-              <a:buFontTx/>
+              <a:buNone/>
               <a:defRPr sz="2656"/>
             </a:pPr>
+            <a:endParaRPr dirty="0"/>
           </a:p>
           <a:p>
             <a:pPr marL="266298" indent="-266298" defTabSz="758951">
@@ -1975,6 +2735,7 @@
               <a:defRPr sz="2656"/>
             </a:pPr>
             <a:r>
+              <a:rPr dirty="0"/>
               <a:t>Offline Support:</a:t>
             </a:r>
           </a:p>
@@ -1990,36 +2751,44 @@
               <a:defRPr sz="2656"/>
             </a:pPr>
             <a:r>
+              <a:rPr dirty="0"/>
               <a:t>The Service Worker implementation allows the application to work offline by caching essential files (</a:t>
             </a:r>
             <a:r>
-              <a:rPr sz="1162"/>
+              <a:rPr sz="1162" dirty="0"/>
               <a:t>index.html</a:t>
             </a:r>
             <a:r>
+              <a:rPr dirty="0"/>
               <a:t>, </a:t>
             </a:r>
             <a:r>
-              <a:rPr sz="1162"/>
+              <a:rPr sz="1162" dirty="0"/>
               <a:t>style.css</a:t>
             </a:r>
             <a:r>
+              <a:rPr dirty="0"/>
               <a:t>, etc.).</a:t>
             </a:r>
           </a:p>
         </p:txBody>
       </p:sp>
     </p:spTree>
+    <p:extLst>
+      <p:ext uri="{BB962C8B-B14F-4D97-AF65-F5344CB8AC3E}">
+        <p14:creationId xmlns:p14="http://schemas.microsoft.com/office/powerpoint/2010/main" val="605157805"/>
+      </p:ext>
+    </p:extLst>
   </p:cSld>
   <p:clrMapOvr>
     <a:masterClrMapping/>
   </p:clrMapOvr>
-  <p:transition xmlns:p14="http://schemas.microsoft.com/office/powerpoint/2010/main" spd="med" advClick="1"/>
+  <p:transition spd="med"/>
 </p:sld>
 </file>
 
-<file path=ppt/slides/slide4.xml><?xml version="1.0" encoding="utf-8"?>
-<p:sld xmlns:a="http://schemas.openxmlformats.org/drawingml/2006/main" xmlns:r="http://schemas.openxmlformats.org/officeDocument/2006/relationships" xmlns:p="http://schemas.openxmlformats.org/presentationml/2006/main" xmlns:m="http://schemas.openxmlformats.org/officeDocument/2006/math" xmlns:a14="http://schemas.microsoft.com/office/drawing/2010/main" showMasterSp="1" showMasterPhAnim="1">
+<file path=ppt/slides/slide6.xml><?xml version="1.0" encoding="utf-8"?>
+<p:sld xmlns:a="http://schemas.openxmlformats.org/drawingml/2006/main" xmlns:r="http://schemas.openxmlformats.org/officeDocument/2006/relationships" xmlns:p="http://schemas.openxmlformats.org/presentationml/2006/main">
   <p:cSld>
     <p:spTree>
       <p:nvGrpSpPr>
@@ -2038,7 +2807,9 @@
       <p:sp>
         <p:nvSpPr>
           <p:cNvPr id="40" name="Title 1"/>
-          <p:cNvSpPr txBox="1"/>
+          <p:cNvSpPr txBox="1">
+            <a:spLocks noGrp="1"/>
+          </p:cNvSpPr>
           <p:nvPr>
             <p:ph type="title"/>
           </p:nvPr>
@@ -2052,7 +2823,6 @@
           <a:bodyPr/>
           <a:lstStyle/>
           <a:p>
-            <a:pPr/>
             <a:r>
               <a:t>Key Features</a:t>
             </a:r>
@@ -2062,7 +2832,9 @@
       <p:sp>
         <p:nvSpPr>
           <p:cNvPr id="41" name="Content Placeholder 2"/>
-          <p:cNvSpPr txBox="1"/>
+          <p:cNvSpPr txBox="1">
+            <a:spLocks noGrp="1"/>
+          </p:cNvSpPr>
           <p:nvPr>
             <p:ph type="body" idx="1"/>
           </p:nvPr>
@@ -2084,11 +2856,12 @@
               <a:defRPr sz="2345"/>
             </a:pPr>
             <a:r>
+              <a:rPr dirty="0"/>
               <a:t>App-like Experience:</a:t>
             </a:r>
           </a:p>
           <a:p>
-            <a:pPr lvl="1" marL="825372" indent="-425450" defTabSz="612648">
+            <a:pPr marL="825372" lvl="1" indent="-425450" defTabSz="612648">
               <a:spcBef>
                 <a:spcPts val="500"/>
               </a:spcBef>
@@ -2100,21 +2873,23 @@
               <a:defRPr sz="2345"/>
             </a:pPr>
             <a:r>
+              <a:rPr dirty="0"/>
               <a:t>The PWA is configured to be installable on users' devices, allowing them to add it to their home screens like a native app.</a:t>
             </a:r>
-          </a:p>
-          <a:p>
-            <a:pPr lvl="1" marL="825372" indent="-425450" defTabSz="612648">
+            <a:endParaRPr lang="en-US" dirty="0"/>
+          </a:p>
+          <a:p>
+            <a:pPr marL="399922" lvl="1" indent="0" defTabSz="612648">
               <a:spcBef>
                 <a:spcPts val="500"/>
               </a:spcBef>
               <a:buClr>
                 <a:srgbClr val="ECECEC"/>
               </a:buClr>
-              <a:buFont typeface="TimesNewRomanPSMT"/>
-              <a:buChar char="•"/>
+              <a:buNone/>
               <a:defRPr sz="2345"/>
             </a:pPr>
+            <a:endParaRPr lang="en-US" dirty="0"/>
           </a:p>
           <a:p>
             <a:pPr marL="214964" indent="-214964" defTabSz="612648">
@@ -2125,11 +2900,12 @@
               <a:defRPr sz="2345"/>
             </a:pPr>
             <a:r>
+              <a:rPr dirty="0"/>
               <a:t>Manifest File:</a:t>
             </a:r>
           </a:p>
           <a:p>
-            <a:pPr lvl="1" marL="825372" indent="-425450" defTabSz="612648">
+            <a:pPr marL="825372" lvl="1" indent="-425450" defTabSz="612648">
               <a:spcBef>
                 <a:spcPts val="500"/>
               </a:spcBef>
@@ -2141,11 +2917,20 @@
               <a:defRPr sz="2345"/>
             </a:pPr>
             <a:r>
-              <a:t>The manifest.json file provides metadata about the PWA, including its name, icons, start URL, display mode, background color, and theme color.</a:t>
+              <a:rPr dirty="0"/>
+              <a:t>The </a:t>
             </a:r>
-          </a:p>
-          <a:p>
-            <a:pPr lvl="1" marL="825372" indent="-425450" defTabSz="612648">
+            <a:r>
+              <a:rPr dirty="0" err="1"/>
+              <a:t>manifest.json</a:t>
+            </a:r>
+            <a:r>
+              <a:rPr dirty="0"/>
+              <a:t> file provides metadata about the PWA, including its name, icons, start URL, display mode, background color, and theme color.</a:t>
+            </a:r>
+          </a:p>
+          <a:p>
+            <a:pPr marL="825372" lvl="1" indent="-425450" defTabSz="612648">
               <a:spcBef>
                 <a:spcPts val="500"/>
               </a:spcBef>
@@ -2156,6 +2941,7 @@
               <a:buChar char="•"/>
               <a:defRPr sz="2144"/>
             </a:pPr>
+            <a:endParaRPr dirty="0"/>
           </a:p>
         </p:txBody>
       </p:sp>
@@ -2164,12 +2950,12 @@
   <p:clrMapOvr>
     <a:masterClrMapping/>
   </p:clrMapOvr>
-  <p:transition xmlns:p14="http://schemas.microsoft.com/office/powerpoint/2010/main" spd="med" advClick="1"/>
+  <p:transition spd="med"/>
 </p:sld>
 </file>
 
-<file path=ppt/slides/slide5.xml><?xml version="1.0" encoding="utf-8"?>
-<p:sld xmlns:a="http://schemas.openxmlformats.org/drawingml/2006/main" xmlns:r="http://schemas.openxmlformats.org/officeDocument/2006/relationships" xmlns:p="http://schemas.openxmlformats.org/presentationml/2006/main" xmlns:m="http://schemas.openxmlformats.org/officeDocument/2006/math" xmlns:a14="http://schemas.microsoft.com/office/drawing/2010/main" showMasterSp="1" showMasterPhAnim="1">
+<file path=ppt/slides/slide7.xml><?xml version="1.0" encoding="utf-8"?>
+<p:sld xmlns:a="http://schemas.openxmlformats.org/drawingml/2006/main" xmlns:r="http://schemas.openxmlformats.org/officeDocument/2006/relationships" xmlns:p="http://schemas.openxmlformats.org/presentationml/2006/main">
   <p:cSld>
     <p:spTree>
       <p:nvGrpSpPr>
@@ -2188,7 +2974,9 @@
       <p:sp>
         <p:nvSpPr>
           <p:cNvPr id="43" name="Title 1"/>
-          <p:cNvSpPr txBox="1"/>
+          <p:cNvSpPr txBox="1">
+            <a:spLocks noGrp="1"/>
+          </p:cNvSpPr>
           <p:nvPr>
             <p:ph type="title"/>
           </p:nvPr>
@@ -2202,7 +2990,6 @@
           <a:bodyPr/>
           <a:lstStyle/>
           <a:p>
-            <a:pPr/>
             <a:r>
               <a:t>Key Features</a:t>
             </a:r>
@@ -2212,7 +2999,9 @@
       <p:sp>
         <p:nvSpPr>
           <p:cNvPr id="44" name="Content Placeholder 2"/>
-          <p:cNvSpPr txBox="1"/>
+          <p:cNvSpPr txBox="1">
+            <a:spLocks noGrp="1"/>
+          </p:cNvSpPr>
           <p:nvPr>
             <p:ph type="body" idx="1"/>
           </p:nvPr>
@@ -2234,11 +3023,12 @@
               <a:defRPr sz="1920"/>
             </a:pPr>
             <a:r>
+              <a:rPr dirty="0"/>
               <a:t>Service Worker Caching:</a:t>
             </a:r>
           </a:p>
           <a:p>
-            <a:pPr lvl="1" marL="492759" indent="-253999" defTabSz="365760">
+            <a:pPr marL="492759" lvl="1" indent="-253999" defTabSz="365760">
               <a:spcBef>
                 <a:spcPts val="300"/>
               </a:spcBef>
@@ -2250,17 +3040,12 @@
               <a:defRPr sz="1920"/>
             </a:pPr>
             <a:r>
-              <a:t>The Service Worker caches specified files during installation (</a:t>
+              <a:rPr dirty="0"/>
+              <a:t>The Service Worker caches specified files during installation (install event) to improve performance and offline accessibility.</a:t>
             </a:r>
-            <a:r>
-              <a:t>install</a:t>
-            </a:r>
-            <a:r>
-              <a:t> event) to improve performance and offline accessibility.</a:t>
-            </a:r>
-          </a:p>
-          <a:p>
-            <a:pPr lvl="1" marL="492759" indent="-253999" defTabSz="365760">
+          </a:p>
+          <a:p>
+            <a:pPr marL="492759" lvl="1" indent="-253999" defTabSz="365760">
               <a:spcBef>
                 <a:spcPts val="300"/>
               </a:spcBef>
@@ -2272,11 +3057,12 @@
               <a:defRPr sz="1920"/>
             </a:pPr>
             <a:r>
+              <a:rPr dirty="0"/>
               <a:t>Cached files include the application's HTML, CSS, and JavaScript files, ensuring that the core functionality is available even without an internet connection.</a:t>
             </a:r>
           </a:p>
           <a:p>
-            <a:pPr lvl="1" marL="492759" indent="-253999" defTabSz="365760">
+            <a:pPr marL="492759" lvl="1" indent="-253999" defTabSz="365760">
               <a:spcBef>
                 <a:spcPts val="300"/>
               </a:spcBef>
@@ -2287,6 +3073,7 @@
               <a:buChar char="•"/>
               <a:defRPr sz="1920"/>
             </a:pPr>
+            <a:endParaRPr dirty="0"/>
           </a:p>
           <a:p>
             <a:pPr marL="128336" indent="-128336" defTabSz="365760">
@@ -2297,11 +3084,12 @@
               <a:defRPr sz="1920"/>
             </a:pPr>
             <a:r>
+              <a:rPr dirty="0"/>
               <a:t>Dynamic Content Loading:</a:t>
             </a:r>
           </a:p>
           <a:p>
-            <a:pPr lvl="1" marL="492759" indent="-253999" defTabSz="365760">
+            <a:pPr marL="492759" lvl="1" indent="-253999" defTabSz="365760">
               <a:spcBef>
                 <a:spcPts val="300"/>
               </a:spcBef>
@@ -2313,17 +3101,26 @@
               <a:defRPr sz="1920"/>
             </a:pPr>
             <a:r>
-              <a:t>The </a:t>
+              <a:rPr dirty="0"/>
+              <a:t>The fetch event listener in the Service Worker intercepts network requests, allowing the app to serve cached responses when offline and fetch new content when online.</a:t>
             </a:r>
-            <a:r>
-              <a:t>fetch</a:t>
-            </a:r>
-            <a:r>
-              <a:t> event listener in the Service Worker intercepts network requests, allowing the app to serve cached responses when offline and fetch new content when online.</a:t>
-            </a:r>
-          </a:p>
-          <a:p>
-            <a:pPr lvl="1" marL="492759" indent="-254000" defTabSz="365760">
+            <a:endParaRPr lang="en-US" dirty="0"/>
+          </a:p>
+          <a:p>
+            <a:pPr marL="238760" lvl="1" indent="0" defTabSz="365760">
+              <a:spcBef>
+                <a:spcPts val="300"/>
+              </a:spcBef>
+              <a:buClr>
+                <a:srgbClr val="ECECEC"/>
+              </a:buClr>
+              <a:buNone/>
+              <a:defRPr sz="1920"/>
+            </a:pPr>
+            <a:endParaRPr dirty="0"/>
+          </a:p>
+          <a:p>
+            <a:pPr marL="492759" lvl="1" indent="-254000" defTabSz="365760">
               <a:spcBef>
                 <a:spcPts val="300"/>
               </a:spcBef>
@@ -2334,9 +3131,10 @@
               <a:buChar char="•"/>
               <a:defRPr sz="1280"/>
             </a:pPr>
-          </a:p>
-          <a:p>
-            <a:pPr lvl="1" marL="492759" indent="-254000" defTabSz="365760">
+            <a:endParaRPr dirty="0"/>
+          </a:p>
+          <a:p>
+            <a:pPr marL="492759" lvl="1" indent="-254000" defTabSz="365760">
               <a:spcBef>
                 <a:spcPts val="300"/>
               </a:spcBef>
@@ -2347,9 +3145,10 @@
               <a:buChar char="•"/>
               <a:defRPr sz="1400"/>
             </a:pPr>
-          </a:p>
-          <a:p>
-            <a:pPr lvl="1" marL="492759" indent="-254000" defTabSz="365760">
+            <a:endParaRPr dirty="0"/>
+          </a:p>
+          <a:p>
+            <a:pPr marL="492759" lvl="1" indent="-254000" defTabSz="365760">
               <a:spcBef>
                 <a:spcPts val="300"/>
               </a:spcBef>
@@ -2360,6 +3159,7 @@
               <a:buChar char="•"/>
               <a:defRPr sz="1280"/>
             </a:pPr>
+            <a:endParaRPr dirty="0"/>
           </a:p>
         </p:txBody>
       </p:sp>
@@ -2368,22 +3168,23 @@
   <p:clrMapOvr>
     <a:masterClrMapping/>
   </p:clrMapOvr>
-  <p:transition xmlns:p14="http://schemas.microsoft.com/office/powerpoint/2010/main" spd="med" advClick="1"/>
+  <p:transition spd="med"/>
 </p:sld>
 </file>
 
-<file path=ppt/slides/slide6.xml><?xml version="1.0" encoding="utf-8"?>
-<p:sld xmlns:a="http://schemas.openxmlformats.org/drawingml/2006/main" xmlns:r="http://schemas.openxmlformats.org/officeDocument/2006/relationships" xmlns:p="http://schemas.openxmlformats.org/presentationml/2006/main" xmlns:m="http://schemas.openxmlformats.org/officeDocument/2006/math" xmlns:a14="http://schemas.microsoft.com/office/drawing/2010/main" showMasterSp="1" showMasterPhAnim="1">
+<file path=ppt/slides/slide8.xml><?xml version="1.0" encoding="utf-8"?>
+<p:sld xmlns:a="http://schemas.openxmlformats.org/drawingml/2006/main" xmlns:r="http://schemas.openxmlformats.org/officeDocument/2006/relationships" xmlns:p="http://schemas.openxmlformats.org/presentationml/2006/main">
   <p:cSld>
     <p:bg>
       <p:bgPr>
         <a:blipFill rotWithShape="1">
           <a:blip r:embed="rId2"/>
-          <a:srcRect l="0" t="0" r="0" b="0"/>
+          <a:srcRect/>
           <a:stretch>
             <a:fillRect/>
           </a:stretch>
         </a:blipFill>
+        <a:effectLst/>
       </p:bgPr>
     </p:bg>
     <p:spTree>
@@ -2403,7 +3204,9 @@
       <p:sp>
         <p:nvSpPr>
           <p:cNvPr id="46" name="Title 1"/>
-          <p:cNvSpPr txBox="1"/>
+          <p:cNvSpPr txBox="1">
+            <a:spLocks noGrp="1"/>
+          </p:cNvSpPr>
           <p:nvPr>
             <p:ph type="ctrTitle"/>
           </p:nvPr>
@@ -2425,7 +3228,6 @@
             </a:lvl1pPr>
           </a:lstStyle>
           <a:p>
-            <a:pPr/>
             <a:r>
               <a:t>Functionality</a:t>
             </a:r>
@@ -2435,7 +3237,9 @@
       <p:sp>
         <p:nvSpPr>
           <p:cNvPr id="47" name="Subtitle 2"/>
-          <p:cNvSpPr txBox="1"/>
+          <p:cNvSpPr txBox="1">
+            <a:spLocks noGrp="1"/>
+          </p:cNvSpPr>
           <p:nvPr>
             <p:ph type="subTitle" sz="quarter" idx="1"/>
           </p:nvPr>
@@ -2464,7 +3268,6 @@
             </a:lvl1pPr>
           </a:lstStyle>
           <a:p>
-            <a:pPr/>
             <a:r>
               <a:t>  </a:t>
             </a:r>
@@ -2476,12 +3279,12 @@
   <p:clrMapOvr>
     <a:masterClrMapping/>
   </p:clrMapOvr>
-  <p:transition xmlns:p14="http://schemas.microsoft.com/office/powerpoint/2010/main" spd="med" advClick="1"/>
+  <p:transition spd="med"/>
 </p:sld>
 </file>
 
-<file path=ppt/slides/slide7.xml><?xml version="1.0" encoding="utf-8"?>
-<p:sld xmlns:a="http://schemas.openxmlformats.org/drawingml/2006/main" xmlns:r="http://schemas.openxmlformats.org/officeDocument/2006/relationships" xmlns:p="http://schemas.openxmlformats.org/presentationml/2006/main" xmlns:m="http://schemas.openxmlformats.org/officeDocument/2006/math" xmlns:a14="http://schemas.microsoft.com/office/drawing/2010/main" showMasterSp="1" showMasterPhAnim="1">
+<file path=ppt/slides/slide9.xml><?xml version="1.0" encoding="utf-8"?>
+<p:sld xmlns:a="http://schemas.openxmlformats.org/drawingml/2006/main" xmlns:r="http://schemas.openxmlformats.org/officeDocument/2006/relationships" xmlns:p="http://schemas.openxmlformats.org/presentationml/2006/main">
   <p:cSld>
     <p:spTree>
       <p:nvGrpSpPr>
@@ -2500,7 +3303,9 @@
       <p:sp>
         <p:nvSpPr>
           <p:cNvPr id="49" name="Title 1"/>
-          <p:cNvSpPr txBox="1"/>
+          <p:cNvSpPr txBox="1">
+            <a:spLocks noGrp="1"/>
+          </p:cNvSpPr>
           <p:nvPr>
             <p:ph type="title"/>
           </p:nvPr>
@@ -2514,7 +3319,6 @@
           <a:bodyPr/>
           <a:lstStyle/>
           <a:p>
-            <a:pPr/>
             <a:r>
               <a:t>Functionality</a:t>
             </a:r>
@@ -2524,7 +3328,9 @@
       <p:sp>
         <p:nvSpPr>
           <p:cNvPr id="50" name="Content Placeholder 2"/>
-          <p:cNvSpPr txBox="1"/>
+          <p:cNvSpPr txBox="1">
+            <a:spLocks noGrp="1"/>
+          </p:cNvSpPr>
           <p:nvPr>
             <p:ph type="body" idx="1"/>
           </p:nvPr>
@@ -2550,7 +3356,7 @@
             </a:r>
           </a:p>
           <a:p>
-            <a:pPr lvl="1" marL="776097" indent="-400050" defTabSz="576072">
+            <a:pPr marL="776097" lvl="1" indent="-400050" defTabSz="576072">
               <a:spcBef>
                 <a:spcPts val="400"/>
               </a:spcBef>
@@ -2566,7 +3372,7 @@
             </a:r>
           </a:p>
           <a:p>
-            <a:pPr lvl="1" marL="776097" indent="-400050" defTabSz="576072">
+            <a:pPr marL="776097" lvl="1" indent="-400050" defTabSz="576072">
               <a:spcBef>
                 <a:spcPts val="400"/>
               </a:spcBef>
@@ -2582,7 +3388,7 @@
             </a:r>
           </a:p>
           <a:p>
-            <a:pPr lvl="1" marL="776097" indent="-400050" defTabSz="576072">
+            <a:pPr marL="776097" lvl="1" indent="-400050" defTabSz="576072">
               <a:spcBef>
                 <a:spcPts val="400"/>
               </a:spcBef>
@@ -2593,9 +3399,10 @@
               <a:buChar char="•"/>
               <a:defRPr sz="2205"/>
             </a:pPr>
-          </a:p>
-          <a:p>
-            <a:pPr lvl="1" marL="776097" indent="-400050" defTabSz="576072">
+            <a:endParaRPr/>
+          </a:p>
+          <a:p>
+            <a:pPr marL="776097" lvl="1" indent="-400050" defTabSz="576072">
               <a:spcBef>
                 <a:spcPts val="400"/>
               </a:spcBef>
@@ -2606,6 +3413,7 @@
               <a:buChar char="•"/>
               <a:defRPr sz="2016"/>
             </a:pPr>
+            <a:endParaRPr/>
           </a:p>
         </p:txBody>
       </p:sp>
@@ -2614,140 +3422,12 @@
   <p:clrMapOvr>
     <a:masterClrMapping/>
   </p:clrMapOvr>
-  <p:transition xmlns:p14="http://schemas.microsoft.com/office/powerpoint/2010/main" spd="med" advClick="1"/>
-</p:sld>
-</file>
-
-<file path=ppt/slides/slide8.xml><?xml version="1.0" encoding="utf-8"?>
-<p:sld xmlns:a="http://schemas.openxmlformats.org/drawingml/2006/main" xmlns:r="http://schemas.openxmlformats.org/officeDocument/2006/relationships" xmlns:p="http://schemas.openxmlformats.org/presentationml/2006/main" xmlns:m="http://schemas.openxmlformats.org/officeDocument/2006/math" xmlns:a14="http://schemas.microsoft.com/office/drawing/2010/main" showMasterSp="1" showMasterPhAnim="1">
-  <p:cSld>
-    <p:spTree>
-      <p:nvGrpSpPr>
-        <p:cNvPr id="1" name=""/>
-        <p:cNvGrpSpPr/>
-        <p:nvPr/>
-      </p:nvGrpSpPr>
-      <p:grpSpPr>
-        <a:xfrm>
-          <a:off x="0" y="0"/>
-          <a:ext cx="0" cy="0"/>
-          <a:chOff x="0" y="0"/>
-          <a:chExt cx="0" cy="0"/>
-        </a:xfrm>
-      </p:grpSpPr>
-      <p:sp>
-        <p:nvSpPr>
-          <p:cNvPr id="52" name="Title 1"/>
-          <p:cNvSpPr txBox="1"/>
-          <p:nvPr>
-            <p:ph type="title"/>
-          </p:nvPr>
-        </p:nvSpPr>
-        <p:spPr>
-          <a:prstGeom prst="rect">
-            <a:avLst/>
-          </a:prstGeom>
-        </p:spPr>
-        <p:txBody>
-          <a:bodyPr/>
-          <a:lstStyle/>
-          <a:p>
-            <a:pPr/>
-            <a:r>
-              <a:t>Functionality</a:t>
-            </a:r>
-          </a:p>
-        </p:txBody>
-      </p:sp>
-      <p:sp>
-        <p:nvSpPr>
-          <p:cNvPr id="53" name="Content Placeholder 2"/>
-          <p:cNvSpPr txBox="1"/>
-          <p:nvPr>
-            <p:ph type="body" idx="1"/>
-          </p:nvPr>
-        </p:nvSpPr>
-        <p:spPr>
-          <a:prstGeom prst="rect">
-            <a:avLst/>
-          </a:prstGeom>
-        </p:spPr>
-        <p:txBody>
-          <a:bodyPr/>
-          <a:lstStyle/>
-          <a:p>
-            <a:pPr marL="266298" indent="-266298" defTabSz="758951">
-              <a:spcBef>
-                <a:spcPts val="600"/>
-              </a:spcBef>
-              <a:buFontTx/>
-              <a:defRPr sz="2656"/>
-            </a:pPr>
-            <a:r>
-              <a:t>Visual Appeal</a:t>
-            </a:r>
-            <a:r>
-              <a:t>:</a:t>
-            </a:r>
-          </a:p>
-          <a:p>
-            <a:pPr lvl="1" marL="1022477" indent="-527050" defTabSz="758951">
-              <a:spcBef>
-                <a:spcPts val="600"/>
-              </a:spcBef>
-              <a:buClr>
-                <a:srgbClr val="ECECEC"/>
-              </a:buClr>
-              <a:buFont typeface="TimesNewRomanPSMT"/>
-              <a:buChar char="•"/>
-              <a:defRPr sz="2656"/>
-            </a:pPr>
-            <a:r>
-              <a:t>The application features a visually appealing design with typography, colors, and images to enhance readability and engagement.</a:t>
-            </a:r>
-          </a:p>
-          <a:p>
-            <a:pPr lvl="1" marL="1022477" indent="-527050" defTabSz="758951">
-              <a:spcBef>
-                <a:spcPts val="600"/>
-              </a:spcBef>
-              <a:buClr>
-                <a:srgbClr val="ECECEC"/>
-              </a:buClr>
-              <a:buFont typeface="TimesNewRomanPSMT"/>
-              <a:buChar char="•"/>
-              <a:defRPr sz="2656"/>
-            </a:pPr>
-            <a:r>
-              <a:t>It uses external libraries like Bootstrap, Font Awesome, and Google Fonts to style and decorate the interface.</a:t>
-            </a:r>
-          </a:p>
-          <a:p>
-            <a:pPr lvl="1" marL="1022477" indent="-527050" defTabSz="758951">
-              <a:spcBef>
-                <a:spcPts val="600"/>
-              </a:spcBef>
-              <a:buClr>
-                <a:srgbClr val="ECECEC"/>
-              </a:buClr>
-              <a:buFont typeface="TimesNewRomanPSMT"/>
-              <a:buChar char="•"/>
-              <a:defRPr sz="2656"/>
-            </a:pPr>
-          </a:p>
-        </p:txBody>
-      </p:sp>
-    </p:spTree>
-  </p:cSld>
-  <p:clrMapOvr>
-    <a:masterClrMapping/>
-  </p:clrMapOvr>
-  <p:transition xmlns:p14="http://schemas.microsoft.com/office/powerpoint/2010/main" spd="med" advClick="1"/>
+  <p:transition spd="med"/>
 </p:sld>
 </file>
 
 <file path=ppt/theme/theme1.xml><?xml version="1.0" encoding="utf-8"?>
-<a:theme xmlns:a="http://schemas.openxmlformats.org/drawingml/2006/main" xmlns:r="http://schemas.openxmlformats.org/officeDocument/2006/relationships" name="ccs powerpoint template">
+<a:theme xmlns:a="http://schemas.openxmlformats.org/drawingml/2006/main" name="ccs powerpoint template">
   <a:themeElements>
     <a:clrScheme name="ccs powerpoint template">
       <a:dk1>
@@ -2873,7 +3553,7 @@
       <a:effectStyleLst>
         <a:effectStyle>
           <a:effectLst>
-            <a:outerShdw sx="100000" sy="100000" kx="0" ky="0" algn="b" rotWithShape="0" blurRad="38100" dist="23000" dir="5400000">
+            <a:outerShdw blurRad="38100" dist="23000" dir="5400000" rotWithShape="0">
               <a:srgbClr val="000000">
                 <a:alpha val="35000"/>
               </a:srgbClr>
@@ -2882,7 +3562,7 @@
         </a:effectStyle>
         <a:effectStyle>
           <a:effectLst>
-            <a:outerShdw sx="100000" sy="100000" kx="0" ky="0" algn="b" rotWithShape="0" blurRad="38100" dist="23000" dir="5400000">
+            <a:outerShdw blurRad="38100" dist="23000" dir="5400000" rotWithShape="0">
               <a:srgbClr val="000000">
                 <a:alpha val="35000"/>
               </a:srgbClr>
@@ -2891,7 +3571,7 @@
         </a:effectStyle>
         <a:effectStyle>
           <a:effectLst>
-            <a:outerShdw sx="100000" sy="100000" kx="0" ky="0" algn="b" rotWithShape="0" blurRad="38100" dist="20000" dir="5400000">
+            <a:outerShdw blurRad="38100" dist="20000" dir="5400000" rotWithShape="0">
               <a:srgbClr val="000000">
                 <a:alpha val="38000"/>
               </a:srgbClr>
@@ -2965,7 +3645,7 @@
           <a:round/>
         </a:ln>
         <a:effectLst>
-          <a:outerShdw sx="100000" sy="100000" kx="0" ky="0" algn="b" rotWithShape="0" blurRad="38100" dist="23000" dir="5400000">
+          <a:outerShdw blurRad="38100" dist="23000" dir="5400000" rotWithShape="0">
             <a:srgbClr val="000000">
               <a:alpha val="35000"/>
             </a:srgbClr>
@@ -2973,7 +3653,7 @@
         </a:effectLst>
         <a:sp3d/>
       </a:spPr>
-      <a:bodyPr rot="0" spcFirstLastPara="1" vertOverflow="overflow" horzOverflow="overflow" vert="horz" wrap="square" lIns="45719" tIns="45719" rIns="45719" bIns="45719" numCol="1" spcCol="38100" rtlCol="0" anchor="ctr" upright="0">
+      <a:bodyPr rot="0" spcFirstLastPara="1" vertOverflow="overflow" horzOverflow="overflow" vert="horz" wrap="square" lIns="45719" tIns="45719" rIns="45719" bIns="45719" numCol="1" spcCol="38100" rtlCol="0" anchor="ctr">
         <a:spAutoFit/>
       </a:bodyPr>
       <a:lstStyle>
@@ -2992,7 +3672,7 @@
           <a:buFontTx/>
           <a:buNone/>
           <a:tabLst/>
-          <a:defRPr b="0" baseline="0" cap="none" i="0" spc="0" strike="noStrike" sz="1800" u="none" kumimoji="0" normalizeH="0">
+          <a:defRPr kumimoji="0" sz="1800" b="0" i="0" u="none" strike="noStrike" cap="none" spc="0" normalizeH="0" baseline="0">
             <a:ln>
               <a:noFill/>
             </a:ln>
@@ -3022,7 +3702,7 @@
           <a:buFontTx/>
           <a:buNone/>
           <a:tabLst/>
-          <a:defRPr b="0" baseline="0" cap="none" i="0" spc="0" strike="noStrike" sz="1800" u="none" kumimoji="0" normalizeH="0">
+          <a:defRPr kumimoji="0" sz="1800" b="0" i="0" u="none" strike="noStrike" cap="none" spc="0" normalizeH="0" baseline="0">
             <a:ln>
               <a:noFill/>
             </a:ln>
@@ -3048,7 +3728,7 @@
           <a:buFontTx/>
           <a:buNone/>
           <a:tabLst/>
-          <a:defRPr b="0" baseline="0" cap="none" i="0" spc="0" strike="noStrike" sz="1800" u="none" kumimoji="0" normalizeH="0">
+          <a:defRPr kumimoji="0" sz="1800" b="0" i="0" u="none" strike="noStrike" cap="none" spc="0" normalizeH="0" baseline="0">
             <a:ln>
               <a:noFill/>
             </a:ln>
@@ -3074,7 +3754,7 @@
           <a:buFontTx/>
           <a:buNone/>
           <a:tabLst/>
-          <a:defRPr b="0" baseline="0" cap="none" i="0" spc="0" strike="noStrike" sz="1800" u="none" kumimoji="0" normalizeH="0">
+          <a:defRPr kumimoji="0" sz="1800" b="0" i="0" u="none" strike="noStrike" cap="none" spc="0" normalizeH="0" baseline="0">
             <a:ln>
               <a:noFill/>
             </a:ln>
@@ -3100,7 +3780,7 @@
           <a:buFontTx/>
           <a:buNone/>
           <a:tabLst/>
-          <a:defRPr b="0" baseline="0" cap="none" i="0" spc="0" strike="noStrike" sz="1800" u="none" kumimoji="0" normalizeH="0">
+          <a:defRPr kumimoji="0" sz="1800" b="0" i="0" u="none" strike="noStrike" cap="none" spc="0" normalizeH="0" baseline="0">
             <a:ln>
               <a:noFill/>
             </a:ln>
@@ -3126,7 +3806,7 @@
           <a:buFontTx/>
           <a:buNone/>
           <a:tabLst/>
-          <a:defRPr b="0" baseline="0" cap="none" i="0" spc="0" strike="noStrike" sz="1800" u="none" kumimoji="0" normalizeH="0">
+          <a:defRPr kumimoji="0" sz="1800" b="0" i="0" u="none" strike="noStrike" cap="none" spc="0" normalizeH="0" baseline="0">
             <a:ln>
               <a:noFill/>
             </a:ln>
@@ -3152,7 +3832,7 @@
           <a:buFontTx/>
           <a:buNone/>
           <a:tabLst/>
-          <a:defRPr b="0" baseline="0" cap="none" i="0" spc="0" strike="noStrike" sz="1800" u="none" kumimoji="0" normalizeH="0">
+          <a:defRPr kumimoji="0" sz="1800" b="0" i="0" u="none" strike="noStrike" cap="none" spc="0" normalizeH="0" baseline="0">
             <a:ln>
               <a:noFill/>
             </a:ln>
@@ -3178,7 +3858,7 @@
           <a:buFontTx/>
           <a:buNone/>
           <a:tabLst/>
-          <a:defRPr b="0" baseline="0" cap="none" i="0" spc="0" strike="noStrike" sz="1800" u="none" kumimoji="0" normalizeH="0">
+          <a:defRPr kumimoji="0" sz="1800" b="0" i="0" u="none" strike="noStrike" cap="none" spc="0" normalizeH="0" baseline="0">
             <a:ln>
               <a:noFill/>
             </a:ln>
@@ -3204,7 +3884,7 @@
           <a:buFontTx/>
           <a:buNone/>
           <a:tabLst/>
-          <a:defRPr b="0" baseline="0" cap="none" i="0" spc="0" strike="noStrike" sz="1800" u="none" kumimoji="0" normalizeH="0">
+          <a:defRPr kumimoji="0" sz="1800" b="0" i="0" u="none" strike="noStrike" cap="none" spc="0" normalizeH="0" baseline="0">
             <a:ln>
               <a:noFill/>
             </a:ln>
@@ -3230,7 +3910,7 @@
           <a:buFontTx/>
           <a:buNone/>
           <a:tabLst/>
-          <a:defRPr b="0" baseline="0" cap="none" i="0" spc="0" strike="noStrike" sz="1800" u="none" kumimoji="0" normalizeH="0">
+          <a:defRPr kumimoji="0" sz="1800" b="0" i="0" u="none" strike="noStrike" cap="none" spc="0" normalizeH="0" baseline="0">
             <a:ln>
               <a:noFill/>
             </a:ln>
@@ -3243,9 +3923,15 @@
         </a:lvl9pPr>
       </a:lstStyle>
       <a:style>
-        <a:lnRef idx="0"/>
-        <a:fillRef idx="0"/>
-        <a:effectRef idx="0"/>
+        <a:lnRef idx="0">
+          <a:scrgbClr r="0" g="0" b="0"/>
+        </a:lnRef>
+        <a:fillRef idx="0">
+          <a:scrgbClr r="0" g="0" b="0"/>
+        </a:fillRef>
+        <a:effectRef idx="0">
+          <a:scrgbClr r="0" g="0" b="0"/>
+        </a:effectRef>
         <a:fontRef idx="none"/>
       </a:style>
     </a:spDef>
@@ -3260,7 +3946,7 @@
           <a:round/>
         </a:ln>
         <a:effectLst>
-          <a:outerShdw sx="100000" sy="100000" kx="0" ky="0" algn="b" rotWithShape="0" blurRad="38100" dist="20000" dir="5400000">
+          <a:outerShdw blurRad="38100" dist="20000" dir="5400000" rotWithShape="0">
             <a:srgbClr val="000000">
               <a:alpha val="38000"/>
             </a:srgbClr>
@@ -3268,7 +3954,7 @@
         </a:effectLst>
         <a:sp3d/>
       </a:spPr>
-      <a:bodyPr rot="0" spcFirstLastPara="1" vertOverflow="overflow" horzOverflow="overflow" vert="horz" wrap="square" lIns="91439" tIns="45719" rIns="91439" bIns="45719" numCol="1" spcCol="38100" rtlCol="0" anchor="t" upright="0">
+      <a:bodyPr rot="0" spcFirstLastPara="1" vertOverflow="overflow" horzOverflow="overflow" vert="horz" wrap="square" lIns="91439" tIns="45719" rIns="91439" bIns="45719" numCol="1" spcCol="38100" rtlCol="0" anchor="t">
         <a:noAutofit/>
       </a:bodyPr>
       <a:lstStyle>
@@ -3287,7 +3973,7 @@
           <a:buFontTx/>
           <a:buNone/>
           <a:tabLst/>
-          <a:defRPr b="0" baseline="0" cap="none" i="0" spc="0" strike="noStrike" sz="1800" u="none" kumimoji="0" normalizeH="0">
+          <a:defRPr kumimoji="0" sz="1800" b="0" i="0" u="none" strike="noStrike" cap="none" spc="0" normalizeH="0" baseline="0">
             <a:ln>
               <a:noFill/>
             </a:ln>
@@ -3313,7 +3999,7 @@
           <a:buFontTx/>
           <a:buNone/>
           <a:tabLst/>
-          <a:defRPr b="0" baseline="0" cap="none" i="0" spc="0" strike="noStrike" sz="1800" u="none" kumimoji="0" normalizeH="0">
+          <a:defRPr kumimoji="0" sz="1800" b="0" i="0" u="none" strike="noStrike" cap="none" spc="0" normalizeH="0" baseline="0">
             <a:ln>
               <a:noFill/>
             </a:ln>
@@ -3339,7 +4025,7 @@
           <a:buFontTx/>
           <a:buNone/>
           <a:tabLst/>
-          <a:defRPr b="0" baseline="0" cap="none" i="0" spc="0" strike="noStrike" sz="1800" u="none" kumimoji="0" normalizeH="0">
+          <a:defRPr kumimoji="0" sz="1800" b="0" i="0" u="none" strike="noStrike" cap="none" spc="0" normalizeH="0" baseline="0">
             <a:ln>
               <a:noFill/>
             </a:ln>
@@ -3365,7 +4051,7 @@
           <a:buFontTx/>
           <a:buNone/>
           <a:tabLst/>
-          <a:defRPr b="0" baseline="0" cap="none" i="0" spc="0" strike="noStrike" sz="1800" u="none" kumimoji="0" normalizeH="0">
+          <a:defRPr kumimoji="0" sz="1800" b="0" i="0" u="none" strike="noStrike" cap="none" spc="0" normalizeH="0" baseline="0">
             <a:ln>
               <a:noFill/>
             </a:ln>
@@ -3391,7 +4077,7 @@
           <a:buFontTx/>
           <a:buNone/>
           <a:tabLst/>
-          <a:defRPr b="0" baseline="0" cap="none" i="0" spc="0" strike="noStrike" sz="1800" u="none" kumimoji="0" normalizeH="0">
+          <a:defRPr kumimoji="0" sz="1800" b="0" i="0" u="none" strike="noStrike" cap="none" spc="0" normalizeH="0" baseline="0">
             <a:ln>
               <a:noFill/>
             </a:ln>
@@ -3417,7 +4103,7 @@
           <a:buFontTx/>
           <a:buNone/>
           <a:tabLst/>
-          <a:defRPr b="0" baseline="0" cap="none" i="0" spc="0" strike="noStrike" sz="1800" u="none" kumimoji="0" normalizeH="0">
+          <a:defRPr kumimoji="0" sz="1800" b="0" i="0" u="none" strike="noStrike" cap="none" spc="0" normalizeH="0" baseline="0">
             <a:ln>
               <a:noFill/>
             </a:ln>
@@ -3443,7 +4129,7 @@
           <a:buFontTx/>
           <a:buNone/>
           <a:tabLst/>
-          <a:defRPr b="0" baseline="0" cap="none" i="0" spc="0" strike="noStrike" sz="1800" u="none" kumimoji="0" normalizeH="0">
+          <a:defRPr kumimoji="0" sz="1800" b="0" i="0" u="none" strike="noStrike" cap="none" spc="0" normalizeH="0" baseline="0">
             <a:ln>
               <a:noFill/>
             </a:ln>
@@ -3469,7 +4155,7 @@
           <a:buFontTx/>
           <a:buNone/>
           <a:tabLst/>
-          <a:defRPr b="0" baseline="0" cap="none" i="0" spc="0" strike="noStrike" sz="1800" u="none" kumimoji="0" normalizeH="0">
+          <a:defRPr kumimoji="0" sz="1800" b="0" i="0" u="none" strike="noStrike" cap="none" spc="0" normalizeH="0" baseline="0">
             <a:ln>
               <a:noFill/>
             </a:ln>
@@ -3495,7 +4181,7 @@
           <a:buFontTx/>
           <a:buNone/>
           <a:tabLst/>
-          <a:defRPr b="0" baseline="0" cap="none" i="0" spc="0" strike="noStrike" sz="1800" u="none" kumimoji="0" normalizeH="0">
+          <a:defRPr kumimoji="0" sz="1800" b="0" i="0" u="none" strike="noStrike" cap="none" spc="0" normalizeH="0" baseline="0">
             <a:ln>
               <a:noFill/>
             </a:ln>
@@ -3521,7 +4207,7 @@
           <a:buFontTx/>
           <a:buNone/>
           <a:tabLst/>
-          <a:defRPr b="0" baseline="0" cap="none" i="0" spc="0" strike="noStrike" sz="1800" u="none" kumimoji="0" normalizeH="0">
+          <a:defRPr kumimoji="0" sz="1800" b="0" i="0" u="none" strike="noStrike" cap="none" spc="0" normalizeH="0" baseline="0">
             <a:ln>
               <a:noFill/>
             </a:ln>
@@ -3534,9 +4220,15 @@
         </a:lvl9pPr>
       </a:lstStyle>
       <a:style>
-        <a:lnRef idx="0"/>
-        <a:fillRef idx="0"/>
-        <a:effectRef idx="0"/>
+        <a:lnRef idx="0">
+          <a:scrgbClr r="0" g="0" b="0"/>
+        </a:lnRef>
+        <a:fillRef idx="0">
+          <a:scrgbClr r="0" g="0" b="0"/>
+        </a:fillRef>
+        <a:effectRef idx="0">
+          <a:scrgbClr r="0" g="0" b="0"/>
+        </a:effectRef>
         <a:fontRef idx="none"/>
       </a:style>
     </a:lnDef>
@@ -3550,7 +4242,7 @@
         <a:effectLst/>
         <a:sp3d/>
       </a:spPr>
-      <a:bodyPr rot="0" spcFirstLastPara="1" vertOverflow="overflow" horzOverflow="overflow" vert="horz" wrap="square" lIns="45719" tIns="45719" rIns="45719" bIns="45719" numCol="1" spcCol="38100" rtlCol="0" anchor="t" upright="0">
+      <a:bodyPr rot="0" spcFirstLastPara="1" vertOverflow="overflow" horzOverflow="overflow" vert="horz" wrap="square" lIns="45719" tIns="45719" rIns="45719" bIns="45719" numCol="1" spcCol="38100" rtlCol="0" anchor="t">
         <a:spAutoFit/>
       </a:bodyPr>
       <a:lstStyle>
@@ -3569,7 +4261,7 @@
           <a:buFontTx/>
           <a:buNone/>
           <a:tabLst/>
-          <a:defRPr b="0" baseline="0" cap="none" i="0" spc="0" strike="noStrike" sz="1800" u="none" kumimoji="0" normalizeH="0">
+          <a:defRPr kumimoji="0" sz="1800" b="0" i="0" u="none" strike="noStrike" cap="none" spc="0" normalizeH="0" baseline="0">
             <a:ln>
               <a:noFill/>
             </a:ln>
@@ -3599,7 +4291,7 @@
           <a:buFontTx/>
           <a:buNone/>
           <a:tabLst/>
-          <a:defRPr b="0" baseline="0" cap="none" i="0" spc="0" strike="noStrike" sz="1800" u="none" kumimoji="0" normalizeH="0">
+          <a:defRPr kumimoji="0" sz="1800" b="0" i="0" u="none" strike="noStrike" cap="none" spc="0" normalizeH="0" baseline="0">
             <a:ln>
               <a:noFill/>
             </a:ln>
@@ -3625,7 +4317,7 @@
           <a:buFontTx/>
           <a:buNone/>
           <a:tabLst/>
-          <a:defRPr b="0" baseline="0" cap="none" i="0" spc="0" strike="noStrike" sz="1800" u="none" kumimoji="0" normalizeH="0">
+          <a:defRPr kumimoji="0" sz="1800" b="0" i="0" u="none" strike="noStrike" cap="none" spc="0" normalizeH="0" baseline="0">
             <a:ln>
               <a:noFill/>
             </a:ln>
@@ -3651,7 +4343,7 @@
           <a:buFontTx/>
           <a:buNone/>
           <a:tabLst/>
-          <a:defRPr b="0" baseline="0" cap="none" i="0" spc="0" strike="noStrike" sz="1800" u="none" kumimoji="0" normalizeH="0">
+          <a:defRPr kumimoji="0" sz="1800" b="0" i="0" u="none" strike="noStrike" cap="none" spc="0" normalizeH="0" baseline="0">
             <a:ln>
               <a:noFill/>
             </a:ln>
@@ -3677,7 +4369,7 @@
           <a:buFontTx/>
           <a:buNone/>
           <a:tabLst/>
-          <a:defRPr b="0" baseline="0" cap="none" i="0" spc="0" strike="noStrike" sz="1800" u="none" kumimoji="0" normalizeH="0">
+          <a:defRPr kumimoji="0" sz="1800" b="0" i="0" u="none" strike="noStrike" cap="none" spc="0" normalizeH="0" baseline="0">
             <a:ln>
               <a:noFill/>
             </a:ln>
@@ -3703,7 +4395,7 @@
           <a:buFontTx/>
           <a:buNone/>
           <a:tabLst/>
-          <a:defRPr b="0" baseline="0" cap="none" i="0" spc="0" strike="noStrike" sz="1800" u="none" kumimoji="0" normalizeH="0">
+          <a:defRPr kumimoji="0" sz="1800" b="0" i="0" u="none" strike="noStrike" cap="none" spc="0" normalizeH="0" baseline="0">
             <a:ln>
               <a:noFill/>
             </a:ln>
@@ -3729,7 +4421,7 @@
           <a:buFontTx/>
           <a:buNone/>
           <a:tabLst/>
-          <a:defRPr b="0" baseline="0" cap="none" i="0" spc="0" strike="noStrike" sz="1800" u="none" kumimoji="0" normalizeH="0">
+          <a:defRPr kumimoji="0" sz="1800" b="0" i="0" u="none" strike="noStrike" cap="none" spc="0" normalizeH="0" baseline="0">
             <a:ln>
               <a:noFill/>
             </a:ln>
@@ -3755,7 +4447,7 @@
           <a:buFontTx/>
           <a:buNone/>
           <a:tabLst/>
-          <a:defRPr b="0" baseline="0" cap="none" i="0" spc="0" strike="noStrike" sz="1800" u="none" kumimoji="0" normalizeH="0">
+          <a:defRPr kumimoji="0" sz="1800" b="0" i="0" u="none" strike="noStrike" cap="none" spc="0" normalizeH="0" baseline="0">
             <a:ln>
               <a:noFill/>
             </a:ln>
@@ -3781,7 +4473,7 @@
           <a:buFontTx/>
           <a:buNone/>
           <a:tabLst/>
-          <a:defRPr b="0" baseline="0" cap="none" i="0" spc="0" strike="noStrike" sz="1800" u="none" kumimoji="0" normalizeH="0">
+          <a:defRPr kumimoji="0" sz="1800" b="0" i="0" u="none" strike="noStrike" cap="none" spc="0" normalizeH="0" baseline="0">
             <a:ln>
               <a:noFill/>
             </a:ln>
@@ -3807,7 +4499,7 @@
           <a:buFontTx/>
           <a:buNone/>
           <a:tabLst/>
-          <a:defRPr b="0" baseline="0" cap="none" i="0" spc="0" strike="noStrike" sz="1800" u="none" kumimoji="0" normalizeH="0">
+          <a:defRPr kumimoji="0" sz="1800" b="0" i="0" u="none" strike="noStrike" cap="none" spc="0" normalizeH="0" baseline="0">
             <a:ln>
               <a:noFill/>
             </a:ln>
@@ -3820,18 +4512,25 @@
         </a:lvl9pPr>
       </a:lstStyle>
       <a:style>
-        <a:lnRef idx="0"/>
-        <a:fillRef idx="0"/>
-        <a:effectRef idx="0"/>
+        <a:lnRef idx="0">
+          <a:scrgbClr r="0" g="0" b="0"/>
+        </a:lnRef>
+        <a:fillRef idx="0">
+          <a:scrgbClr r="0" g="0" b="0"/>
+        </a:fillRef>
+        <a:effectRef idx="0">
+          <a:scrgbClr r="0" g="0" b="0"/>
+        </a:effectRef>
         <a:fontRef idx="none"/>
       </a:style>
     </a:txDef>
   </a:objectDefaults>
+  <a:extraClrSchemeLst/>
 </a:theme>
 </file>
 
 <file path=ppt/theme/theme2.xml><?xml version="1.0" encoding="utf-8"?>
-<a:theme xmlns:a="http://schemas.openxmlformats.org/drawingml/2006/main" xmlns:r="http://schemas.openxmlformats.org/officeDocument/2006/relationships" name="ccs powerpoint template">
+<a:theme xmlns:a="http://schemas.openxmlformats.org/drawingml/2006/main" name="ccs powerpoint template">
   <a:themeElements>
     <a:clrScheme name="ccs powerpoint template">
       <a:dk1>
@@ -3957,7 +4656,7 @@
       <a:effectStyleLst>
         <a:effectStyle>
           <a:effectLst>
-            <a:outerShdw sx="100000" sy="100000" kx="0" ky="0" algn="b" rotWithShape="0" blurRad="38100" dist="23000" dir="5400000">
+            <a:outerShdw blurRad="38100" dist="23000" dir="5400000" rotWithShape="0">
               <a:srgbClr val="000000">
                 <a:alpha val="35000"/>
               </a:srgbClr>
@@ -3966,7 +4665,7 @@
         </a:effectStyle>
         <a:effectStyle>
           <a:effectLst>
-            <a:outerShdw sx="100000" sy="100000" kx="0" ky="0" algn="b" rotWithShape="0" blurRad="38100" dist="23000" dir="5400000">
+            <a:outerShdw blurRad="38100" dist="23000" dir="5400000" rotWithShape="0">
               <a:srgbClr val="000000">
                 <a:alpha val="35000"/>
               </a:srgbClr>
@@ -3975,7 +4674,7 @@
         </a:effectStyle>
         <a:effectStyle>
           <a:effectLst>
-            <a:outerShdw sx="100000" sy="100000" kx="0" ky="0" algn="b" rotWithShape="0" blurRad="38100" dist="20000" dir="5400000">
+            <a:outerShdw blurRad="38100" dist="20000" dir="5400000" rotWithShape="0">
               <a:srgbClr val="000000">
                 <a:alpha val="38000"/>
               </a:srgbClr>
@@ -4049,7 +4748,7 @@
           <a:round/>
         </a:ln>
         <a:effectLst>
-          <a:outerShdw sx="100000" sy="100000" kx="0" ky="0" algn="b" rotWithShape="0" blurRad="38100" dist="23000" dir="5400000">
+          <a:outerShdw blurRad="38100" dist="23000" dir="5400000" rotWithShape="0">
             <a:srgbClr val="000000">
               <a:alpha val="35000"/>
             </a:srgbClr>
@@ -4057,7 +4756,7 @@
         </a:effectLst>
         <a:sp3d/>
       </a:spPr>
-      <a:bodyPr rot="0" spcFirstLastPara="1" vertOverflow="overflow" horzOverflow="overflow" vert="horz" wrap="square" lIns="45719" tIns="45719" rIns="45719" bIns="45719" numCol="1" spcCol="38100" rtlCol="0" anchor="ctr" upright="0">
+      <a:bodyPr rot="0" spcFirstLastPara="1" vertOverflow="overflow" horzOverflow="overflow" vert="horz" wrap="square" lIns="45719" tIns="45719" rIns="45719" bIns="45719" numCol="1" spcCol="38100" rtlCol="0" anchor="ctr">
         <a:spAutoFit/>
       </a:bodyPr>
       <a:lstStyle>
@@ -4076,7 +4775,7 @@
           <a:buFontTx/>
           <a:buNone/>
           <a:tabLst/>
-          <a:defRPr b="0" baseline="0" cap="none" i="0" spc="0" strike="noStrike" sz="1800" u="none" kumimoji="0" normalizeH="0">
+          <a:defRPr kumimoji="0" sz="1800" b="0" i="0" u="none" strike="noStrike" cap="none" spc="0" normalizeH="0" baseline="0">
             <a:ln>
               <a:noFill/>
             </a:ln>
@@ -4106,7 +4805,7 @@
           <a:buFontTx/>
           <a:buNone/>
           <a:tabLst/>
-          <a:defRPr b="0" baseline="0" cap="none" i="0" spc="0" strike="noStrike" sz="1800" u="none" kumimoji="0" normalizeH="0">
+          <a:defRPr kumimoji="0" sz="1800" b="0" i="0" u="none" strike="noStrike" cap="none" spc="0" normalizeH="0" baseline="0">
             <a:ln>
               <a:noFill/>
             </a:ln>
@@ -4132,7 +4831,7 @@
           <a:buFontTx/>
           <a:buNone/>
           <a:tabLst/>
-          <a:defRPr b="0" baseline="0" cap="none" i="0" spc="0" strike="noStrike" sz="1800" u="none" kumimoji="0" normalizeH="0">
+          <a:defRPr kumimoji="0" sz="1800" b="0" i="0" u="none" strike="noStrike" cap="none" spc="0" normalizeH="0" baseline="0">
             <a:ln>
               <a:noFill/>
             </a:ln>
@@ -4158,7 +4857,7 @@
           <a:buFontTx/>
           <a:buNone/>
           <a:tabLst/>
-          <a:defRPr b="0" baseline="0" cap="none" i="0" spc="0" strike="noStrike" sz="1800" u="none" kumimoji="0" normalizeH="0">
+          <a:defRPr kumimoji="0" sz="1800" b="0" i="0" u="none" strike="noStrike" cap="none" spc="0" normalizeH="0" baseline="0">
             <a:ln>
               <a:noFill/>
             </a:ln>
@@ -4184,7 +4883,7 @@
           <a:buFontTx/>
           <a:buNone/>
           <a:tabLst/>
-          <a:defRPr b="0" baseline="0" cap="none" i="0" spc="0" strike="noStrike" sz="1800" u="none" kumimoji="0" normalizeH="0">
+          <a:defRPr kumimoji="0" sz="1800" b="0" i="0" u="none" strike="noStrike" cap="none" spc="0" normalizeH="0" baseline="0">
             <a:ln>
               <a:noFill/>
             </a:ln>
@@ -4210,7 +4909,7 @@
           <a:buFontTx/>
           <a:buNone/>
           <a:tabLst/>
-          <a:defRPr b="0" baseline="0" cap="none" i="0" spc="0" strike="noStrike" sz="1800" u="none" kumimoji="0" normalizeH="0">
+          <a:defRPr kumimoji="0" sz="1800" b="0" i="0" u="none" strike="noStrike" cap="none" spc="0" normalizeH="0" baseline="0">
             <a:ln>
               <a:noFill/>
             </a:ln>
@@ -4236,7 +4935,7 @@
           <a:buFontTx/>
           <a:buNone/>
           <a:tabLst/>
-          <a:defRPr b="0" baseline="0" cap="none" i="0" spc="0" strike="noStrike" sz="1800" u="none" kumimoji="0" normalizeH="0">
+          <a:defRPr kumimoji="0" sz="1800" b="0" i="0" u="none" strike="noStrike" cap="none" spc="0" normalizeH="0" baseline="0">
             <a:ln>
               <a:noFill/>
             </a:ln>
@@ -4262,7 +4961,7 @@
           <a:buFontTx/>
           <a:buNone/>
           <a:tabLst/>
-          <a:defRPr b="0" baseline="0" cap="none" i="0" spc="0" strike="noStrike" sz="1800" u="none" kumimoji="0" normalizeH="0">
+          <a:defRPr kumimoji="0" sz="1800" b="0" i="0" u="none" strike="noStrike" cap="none" spc="0" normalizeH="0" baseline="0">
             <a:ln>
               <a:noFill/>
             </a:ln>
@@ -4288,7 +4987,7 @@
           <a:buFontTx/>
           <a:buNone/>
           <a:tabLst/>
-          <a:defRPr b="0" baseline="0" cap="none" i="0" spc="0" strike="noStrike" sz="1800" u="none" kumimoji="0" normalizeH="0">
+          <a:defRPr kumimoji="0" sz="1800" b="0" i="0" u="none" strike="noStrike" cap="none" spc="0" normalizeH="0" baseline="0">
             <a:ln>
               <a:noFill/>
             </a:ln>
@@ -4314,7 +5013,7 @@
           <a:buFontTx/>
           <a:buNone/>
           <a:tabLst/>
-          <a:defRPr b="0" baseline="0" cap="none" i="0" spc="0" strike="noStrike" sz="1800" u="none" kumimoji="0" normalizeH="0">
+          <a:defRPr kumimoji="0" sz="1800" b="0" i="0" u="none" strike="noStrike" cap="none" spc="0" normalizeH="0" baseline="0">
             <a:ln>
               <a:noFill/>
             </a:ln>
@@ -4327,9 +5026,15 @@
         </a:lvl9pPr>
       </a:lstStyle>
       <a:style>
-        <a:lnRef idx="0"/>
-        <a:fillRef idx="0"/>
-        <a:effectRef idx="0"/>
+        <a:lnRef idx="0">
+          <a:scrgbClr r="0" g="0" b="0"/>
+        </a:lnRef>
+        <a:fillRef idx="0">
+          <a:scrgbClr r="0" g="0" b="0"/>
+        </a:fillRef>
+        <a:effectRef idx="0">
+          <a:scrgbClr r="0" g="0" b="0"/>
+        </a:effectRef>
         <a:fontRef idx="none"/>
       </a:style>
     </a:spDef>
@@ -4344,7 +5049,7 @@
           <a:round/>
         </a:ln>
         <a:effectLst>
-          <a:outerShdw sx="100000" sy="100000" kx="0" ky="0" algn="b" rotWithShape="0" blurRad="38100" dist="20000" dir="5400000">
+          <a:outerShdw blurRad="38100" dist="20000" dir="5400000" rotWithShape="0">
             <a:srgbClr val="000000">
               <a:alpha val="38000"/>
             </a:srgbClr>
@@ -4352,7 +5057,7 @@
         </a:effectLst>
         <a:sp3d/>
       </a:spPr>
-      <a:bodyPr rot="0" spcFirstLastPara="1" vertOverflow="overflow" horzOverflow="overflow" vert="horz" wrap="square" lIns="91439" tIns="45719" rIns="91439" bIns="45719" numCol="1" spcCol="38100" rtlCol="0" anchor="t" upright="0">
+      <a:bodyPr rot="0" spcFirstLastPara="1" vertOverflow="overflow" horzOverflow="overflow" vert="horz" wrap="square" lIns="91439" tIns="45719" rIns="91439" bIns="45719" numCol="1" spcCol="38100" rtlCol="0" anchor="t">
         <a:noAutofit/>
       </a:bodyPr>
       <a:lstStyle>
@@ -4371,7 +5076,7 @@
           <a:buFontTx/>
           <a:buNone/>
           <a:tabLst/>
-          <a:defRPr b="0" baseline="0" cap="none" i="0" spc="0" strike="noStrike" sz="1800" u="none" kumimoji="0" normalizeH="0">
+          <a:defRPr kumimoji="0" sz="1800" b="0" i="0" u="none" strike="noStrike" cap="none" spc="0" normalizeH="0" baseline="0">
             <a:ln>
               <a:noFill/>
             </a:ln>
@@ -4397,7 +5102,7 @@
           <a:buFontTx/>
           <a:buNone/>
           <a:tabLst/>
-          <a:defRPr b="0" baseline="0" cap="none" i="0" spc="0" strike="noStrike" sz="1800" u="none" kumimoji="0" normalizeH="0">
+          <a:defRPr kumimoji="0" sz="1800" b="0" i="0" u="none" strike="noStrike" cap="none" spc="0" normalizeH="0" baseline="0">
             <a:ln>
               <a:noFill/>
             </a:ln>
@@ -4423,7 +5128,7 @@
           <a:buFontTx/>
           <a:buNone/>
           <a:tabLst/>
-          <a:defRPr b="0" baseline="0" cap="none" i="0" spc="0" strike="noStrike" sz="1800" u="none" kumimoji="0" normalizeH="0">
+          <a:defRPr kumimoji="0" sz="1800" b="0" i="0" u="none" strike="noStrike" cap="none" spc="0" normalizeH="0" baseline="0">
             <a:ln>
               <a:noFill/>
             </a:ln>
@@ -4449,7 +5154,7 @@
           <a:buFontTx/>
           <a:buNone/>
           <a:tabLst/>
-          <a:defRPr b="0" baseline="0" cap="none" i="0" spc="0" strike="noStrike" sz="1800" u="none" kumimoji="0" normalizeH="0">
+          <a:defRPr kumimoji="0" sz="1800" b="0" i="0" u="none" strike="noStrike" cap="none" spc="0" normalizeH="0" baseline="0">
             <a:ln>
               <a:noFill/>
             </a:ln>
@@ -4475,7 +5180,7 @@
           <a:buFontTx/>
           <a:buNone/>
           <a:tabLst/>
-          <a:defRPr b="0" baseline="0" cap="none" i="0" spc="0" strike="noStrike" sz="1800" u="none" kumimoji="0" normalizeH="0">
+          <a:defRPr kumimoji="0" sz="1800" b="0" i="0" u="none" strike="noStrike" cap="none" spc="0" normalizeH="0" baseline="0">
             <a:ln>
               <a:noFill/>
             </a:ln>
@@ -4501,7 +5206,7 @@
           <a:buFontTx/>
           <a:buNone/>
           <a:tabLst/>
-          <a:defRPr b="0" baseline="0" cap="none" i="0" spc="0" strike="noStrike" sz="1800" u="none" kumimoji="0" normalizeH="0">
+          <a:defRPr kumimoji="0" sz="1800" b="0" i="0" u="none" strike="noStrike" cap="none" spc="0" normalizeH="0" baseline="0">
             <a:ln>
               <a:noFill/>
             </a:ln>
@@ -4527,7 +5232,7 @@
           <a:buFontTx/>
           <a:buNone/>
           <a:tabLst/>
-          <a:defRPr b="0" baseline="0" cap="none" i="0" spc="0" strike="noStrike" sz="1800" u="none" kumimoji="0" normalizeH="0">
+          <a:defRPr kumimoji="0" sz="1800" b="0" i="0" u="none" strike="noStrike" cap="none" spc="0" normalizeH="0" baseline="0">
             <a:ln>
               <a:noFill/>
             </a:ln>
@@ -4553,7 +5258,7 @@
           <a:buFontTx/>
           <a:buNone/>
           <a:tabLst/>
-          <a:defRPr b="0" baseline="0" cap="none" i="0" spc="0" strike="noStrike" sz="1800" u="none" kumimoji="0" normalizeH="0">
+          <a:defRPr kumimoji="0" sz="1800" b="0" i="0" u="none" strike="noStrike" cap="none" spc="0" normalizeH="0" baseline="0">
             <a:ln>
               <a:noFill/>
             </a:ln>
@@ -4579,7 +5284,7 @@
           <a:buFontTx/>
           <a:buNone/>
           <a:tabLst/>
-          <a:defRPr b="0" baseline="0" cap="none" i="0" spc="0" strike="noStrike" sz="1800" u="none" kumimoji="0" normalizeH="0">
+          <a:defRPr kumimoji="0" sz="1800" b="0" i="0" u="none" strike="noStrike" cap="none" spc="0" normalizeH="0" baseline="0">
             <a:ln>
               <a:noFill/>
             </a:ln>
@@ -4605,7 +5310,7 @@
           <a:buFontTx/>
           <a:buNone/>
           <a:tabLst/>
-          <a:defRPr b="0" baseline="0" cap="none" i="0" spc="0" strike="noStrike" sz="1800" u="none" kumimoji="0" normalizeH="0">
+          <a:defRPr kumimoji="0" sz="1800" b="0" i="0" u="none" strike="noStrike" cap="none" spc="0" normalizeH="0" baseline="0">
             <a:ln>
               <a:noFill/>
             </a:ln>
@@ -4618,9 +5323,15 @@
         </a:lvl9pPr>
       </a:lstStyle>
       <a:style>
-        <a:lnRef idx="0"/>
-        <a:fillRef idx="0"/>
-        <a:effectRef idx="0"/>
+        <a:lnRef idx="0">
+          <a:scrgbClr r="0" g="0" b="0"/>
+        </a:lnRef>
+        <a:fillRef idx="0">
+          <a:scrgbClr r="0" g="0" b="0"/>
+        </a:fillRef>
+        <a:effectRef idx="0">
+          <a:scrgbClr r="0" g="0" b="0"/>
+        </a:effectRef>
         <a:fontRef idx="none"/>
       </a:style>
     </a:lnDef>
@@ -4634,7 +5345,7 @@
         <a:effectLst/>
         <a:sp3d/>
       </a:spPr>
-      <a:bodyPr rot="0" spcFirstLastPara="1" vertOverflow="overflow" horzOverflow="overflow" vert="horz" wrap="square" lIns="45719" tIns="45719" rIns="45719" bIns="45719" numCol="1" spcCol="38100" rtlCol="0" anchor="t" upright="0">
+      <a:bodyPr rot="0" spcFirstLastPara="1" vertOverflow="overflow" horzOverflow="overflow" vert="horz" wrap="square" lIns="45719" tIns="45719" rIns="45719" bIns="45719" numCol="1" spcCol="38100" rtlCol="0" anchor="t">
         <a:spAutoFit/>
       </a:bodyPr>
       <a:lstStyle>
@@ -4653,7 +5364,7 @@
           <a:buFontTx/>
           <a:buNone/>
           <a:tabLst/>
-          <a:defRPr b="0" baseline="0" cap="none" i="0" spc="0" strike="noStrike" sz="1800" u="none" kumimoji="0" normalizeH="0">
+          <a:defRPr kumimoji="0" sz="1800" b="0" i="0" u="none" strike="noStrike" cap="none" spc="0" normalizeH="0" baseline="0">
             <a:ln>
               <a:noFill/>
             </a:ln>
@@ -4683,7 +5394,7 @@
           <a:buFontTx/>
           <a:buNone/>
           <a:tabLst/>
-          <a:defRPr b="0" baseline="0" cap="none" i="0" spc="0" strike="noStrike" sz="1800" u="none" kumimoji="0" normalizeH="0">
+          <a:defRPr kumimoji="0" sz="1800" b="0" i="0" u="none" strike="noStrike" cap="none" spc="0" normalizeH="0" baseline="0">
             <a:ln>
               <a:noFill/>
             </a:ln>
@@ -4709,7 +5420,7 @@
           <a:buFontTx/>
           <a:buNone/>
           <a:tabLst/>
-          <a:defRPr b="0" baseline="0" cap="none" i="0" spc="0" strike="noStrike" sz="1800" u="none" kumimoji="0" normalizeH="0">
+          <a:defRPr kumimoji="0" sz="1800" b="0" i="0" u="none" strike="noStrike" cap="none" spc="0" normalizeH="0" baseline="0">
             <a:ln>
               <a:noFill/>
             </a:ln>
@@ -4735,7 +5446,7 @@
           <a:buFontTx/>
           <a:buNone/>
           <a:tabLst/>
-          <a:defRPr b="0" baseline="0" cap="none" i="0" spc="0" strike="noStrike" sz="1800" u="none" kumimoji="0" normalizeH="0">
+          <a:defRPr kumimoji="0" sz="1800" b="0" i="0" u="none" strike="noStrike" cap="none" spc="0" normalizeH="0" baseline="0">
             <a:ln>
               <a:noFill/>
             </a:ln>
@@ -4761,7 +5472,7 @@
           <a:buFontTx/>
           <a:buNone/>
           <a:tabLst/>
-          <a:defRPr b="0" baseline="0" cap="none" i="0" spc="0" strike="noStrike" sz="1800" u="none" kumimoji="0" normalizeH="0">
+          <a:defRPr kumimoji="0" sz="1800" b="0" i="0" u="none" strike="noStrike" cap="none" spc="0" normalizeH="0" baseline="0">
             <a:ln>
               <a:noFill/>
             </a:ln>
@@ -4787,7 +5498,7 @@
           <a:buFontTx/>
           <a:buNone/>
           <a:tabLst/>
-          <a:defRPr b="0" baseline="0" cap="none" i="0" spc="0" strike="noStrike" sz="1800" u="none" kumimoji="0" normalizeH="0">
+          <a:defRPr kumimoji="0" sz="1800" b="0" i="0" u="none" strike="noStrike" cap="none" spc="0" normalizeH="0" baseline="0">
             <a:ln>
               <a:noFill/>
             </a:ln>
@@ -4813,7 +5524,7 @@
           <a:buFontTx/>
           <a:buNone/>
           <a:tabLst/>
-          <a:defRPr b="0" baseline="0" cap="none" i="0" spc="0" strike="noStrike" sz="1800" u="none" kumimoji="0" normalizeH="0">
+          <a:defRPr kumimoji="0" sz="1800" b="0" i="0" u="none" strike="noStrike" cap="none" spc="0" normalizeH="0" baseline="0">
             <a:ln>
               <a:noFill/>
             </a:ln>
@@ -4839,7 +5550,7 @@
           <a:buFontTx/>
           <a:buNone/>
           <a:tabLst/>
-          <a:defRPr b="0" baseline="0" cap="none" i="0" spc="0" strike="noStrike" sz="1800" u="none" kumimoji="0" normalizeH="0">
+          <a:defRPr kumimoji="0" sz="1800" b="0" i="0" u="none" strike="noStrike" cap="none" spc="0" normalizeH="0" baseline="0">
             <a:ln>
               <a:noFill/>
             </a:ln>
@@ -4865,7 +5576,7 @@
           <a:buFontTx/>
           <a:buNone/>
           <a:tabLst/>
-          <a:defRPr b="0" baseline="0" cap="none" i="0" spc="0" strike="noStrike" sz="1800" u="none" kumimoji="0" normalizeH="0">
+          <a:defRPr kumimoji="0" sz="1800" b="0" i="0" u="none" strike="noStrike" cap="none" spc="0" normalizeH="0" baseline="0">
             <a:ln>
               <a:noFill/>
             </a:ln>
@@ -4891,7 +5602,7 @@
           <a:buFontTx/>
           <a:buNone/>
           <a:tabLst/>
-          <a:defRPr b="0" baseline="0" cap="none" i="0" spc="0" strike="noStrike" sz="1800" u="none" kumimoji="0" normalizeH="0">
+          <a:defRPr kumimoji="0" sz="1800" b="0" i="0" u="none" strike="noStrike" cap="none" spc="0" normalizeH="0" baseline="0">
             <a:ln>
               <a:noFill/>
             </a:ln>
@@ -4904,12 +5615,19 @@
         </a:lvl9pPr>
       </a:lstStyle>
       <a:style>
-        <a:lnRef idx="0"/>
-        <a:fillRef idx="0"/>
-        <a:effectRef idx="0"/>
+        <a:lnRef idx="0">
+          <a:scrgbClr r="0" g="0" b="0"/>
+        </a:lnRef>
+        <a:fillRef idx="0">
+          <a:scrgbClr r="0" g="0" b="0"/>
+        </a:fillRef>
+        <a:effectRef idx="0">
+          <a:scrgbClr r="0" g="0" b="0"/>
+        </a:effectRef>
         <a:fontRef idx="none"/>
       </a:style>
     </a:txDef>
   </a:objectDefaults>
+  <a:extraClrSchemeLst/>
 </a:theme>
 </file>